--- a/Documentation/figures.pptx
+++ b/Documentation/figures.pptx
@@ -6,7 +6,10 @@
   </p:sldMasterIdLst>
   <p:sldIdLst>
     <p:sldId id="256" r:id="rId2"/>
-    <p:sldId id="258" r:id="rId3"/>
+    <p:sldId id="259" r:id="rId3"/>
+    <p:sldId id="260" r:id="rId4"/>
+    <p:sldId id="258" r:id="rId5"/>
+    <p:sldId id="261" r:id="rId6"/>
   </p:sldIdLst>
   <p:sldSz cx="12192000" cy="6858000"/>
   <p:notesSz cx="6858000" cy="9144000"/>
@@ -3410,6 +3413,3781 @@
       </p:grpSpPr>
       <p:sp>
         <p:nvSpPr>
+          <p:cNvPr id="2" name="Title 1">
+            <a:extLst>
+              <a:ext uri="{FF2B5EF4-FFF2-40B4-BE49-F238E27FC236}">
+                <a16:creationId xmlns:a16="http://schemas.microsoft.com/office/drawing/2014/main" id="{2F87F194-B024-AD42-A83C-43A396D46096}"/>
+              </a:ext>
+            </a:extLst>
+          </p:cNvPr>
+          <p:cNvSpPr>
+            <a:spLocks noGrp="1"/>
+          </p:cNvSpPr>
+          <p:nvPr>
+            <p:ph type="title"/>
+          </p:nvPr>
+        </p:nvSpPr>
+        <p:spPr/>
+        <p:txBody>
+          <a:bodyPr/>
+          <a:lstStyle/>
+          <a:p>
+            <a:r>
+              <a:rPr lang="en-GB" dirty="0"/>
+              <a:t>Methodology</a:t>
+            </a:r>
+          </a:p>
+        </p:txBody>
+      </p:sp>
+      <p:sp>
+        <p:nvSpPr>
+          <p:cNvPr id="3" name="Content Placeholder 2">
+            <a:extLst>
+              <a:ext uri="{FF2B5EF4-FFF2-40B4-BE49-F238E27FC236}">
+                <a16:creationId xmlns:a16="http://schemas.microsoft.com/office/drawing/2014/main" id="{48DE13FC-A12D-4946-92C7-7300551DF306}"/>
+              </a:ext>
+            </a:extLst>
+          </p:cNvPr>
+          <p:cNvSpPr>
+            <a:spLocks noGrp="1"/>
+          </p:cNvSpPr>
+          <p:nvPr>
+            <p:ph idx="1"/>
+          </p:nvPr>
+        </p:nvSpPr>
+        <p:spPr/>
+        <p:txBody>
+          <a:bodyPr/>
+          <a:lstStyle/>
+          <a:p>
+            <a:r>
+              <a:rPr lang="en-GB" dirty="0" err="1"/>
+              <a:t>ChEMBL</a:t>
+            </a:r>
+            <a:r>
+              <a:rPr lang="en-GB" dirty="0"/>
+              <a:t> </a:t>
+            </a:r>
+          </a:p>
+          <a:p>
+            <a:r>
+              <a:rPr lang="en-GB" dirty="0"/>
+              <a:t>Target: </a:t>
+            </a:r>
+            <a:r>
+              <a:rPr lang="en-GB" dirty="0" err="1"/>
+              <a:t>Estrogen</a:t>
+            </a:r>
+            <a:r>
+              <a:rPr lang="en-GB" dirty="0"/>
+              <a:t> receptor alpha </a:t>
+            </a:r>
+          </a:p>
+          <a:p>
+            <a:r>
+              <a:rPr lang="en-GB" dirty="0"/>
+              <a:t>Download dataset of all compounds with Bioactivity measured in IC50 values n=3901</a:t>
+            </a:r>
+          </a:p>
+          <a:p>
+            <a:r>
+              <a:rPr lang="en-GB" dirty="0"/>
+              <a:t>Clean dataset for unique compounds and non </a:t>
+            </a:r>
+            <a:r>
+              <a:rPr lang="en-GB" dirty="0" err="1"/>
+              <a:t>NaN</a:t>
+            </a:r>
+            <a:r>
+              <a:rPr lang="en-GB" dirty="0"/>
+              <a:t> IC50 n = 2250</a:t>
+            </a:r>
+          </a:p>
+        </p:txBody>
+      </p:sp>
+    </p:spTree>
+    <p:extLst>
+      <p:ext uri="{BB962C8B-B14F-4D97-AF65-F5344CB8AC3E}">
+        <p14:creationId xmlns:p14="http://schemas.microsoft.com/office/powerpoint/2010/main" val="3069387041"/>
+      </p:ext>
+    </p:extLst>
+  </p:cSld>
+  <p:clrMapOvr>
+    <a:masterClrMapping/>
+  </p:clrMapOvr>
+</p:sld>
+</file>
+
+<file path=ppt/slides/slide3.xml><?xml version="1.0" encoding="utf-8"?>
+<p:sld xmlns:a="http://schemas.openxmlformats.org/drawingml/2006/main" xmlns:r="http://schemas.openxmlformats.org/officeDocument/2006/relationships" xmlns:p="http://schemas.openxmlformats.org/presentationml/2006/main">
+  <p:cSld>
+    <p:spTree>
+      <p:nvGrpSpPr>
+        <p:cNvPr id="1" name=""/>
+        <p:cNvGrpSpPr/>
+        <p:nvPr/>
+      </p:nvGrpSpPr>
+      <p:grpSpPr>
+        <a:xfrm>
+          <a:off x="0" y="0"/>
+          <a:ext cx="0" cy="0"/>
+          <a:chOff x="0" y="0"/>
+          <a:chExt cx="0" cy="0"/>
+        </a:xfrm>
+      </p:grpSpPr>
+      <p:sp>
+        <p:nvSpPr>
+          <p:cNvPr id="2" name="Title 1">
+            <a:extLst>
+              <a:ext uri="{FF2B5EF4-FFF2-40B4-BE49-F238E27FC236}">
+                <a16:creationId xmlns:a16="http://schemas.microsoft.com/office/drawing/2014/main" id="{FE25AB5D-65D1-0240-863B-33145F259650}"/>
+              </a:ext>
+            </a:extLst>
+          </p:cNvPr>
+          <p:cNvSpPr>
+            <a:spLocks noGrp="1"/>
+          </p:cNvSpPr>
+          <p:nvPr>
+            <p:ph type="title"/>
+          </p:nvPr>
+        </p:nvSpPr>
+        <p:spPr/>
+        <p:txBody>
+          <a:bodyPr/>
+          <a:lstStyle/>
+          <a:p>
+            <a:r>
+              <a:rPr lang="en-GB" dirty="0" err="1"/>
+              <a:t>Estrogen</a:t>
+            </a:r>
+            <a:r>
+              <a:rPr lang="en-GB" dirty="0"/>
+              <a:t> Receptor in Breast Cancer</a:t>
+            </a:r>
+          </a:p>
+        </p:txBody>
+      </p:sp>
+      <p:grpSp>
+        <p:nvGrpSpPr>
+          <p:cNvPr id="4" name="Gruppieren 2">
+            <a:extLst>
+              <a:ext uri="{FF2B5EF4-FFF2-40B4-BE49-F238E27FC236}">
+                <a16:creationId xmlns:a16="http://schemas.microsoft.com/office/drawing/2014/main" id="{8C9F564E-1DB3-BF43-B610-1B7E833E4025}"/>
+              </a:ext>
+            </a:extLst>
+          </p:cNvPr>
+          <p:cNvGrpSpPr/>
+          <p:nvPr/>
+        </p:nvGrpSpPr>
+        <p:grpSpPr>
+          <a:xfrm>
+            <a:off x="4696619" y="2499502"/>
+            <a:ext cx="2420066" cy="1325563"/>
+            <a:chOff x="1406069" y="4595380"/>
+            <a:chExt cx="1772104" cy="1027876"/>
+          </a:xfrm>
+        </p:grpSpPr>
+        <p:pic>
+          <p:nvPicPr>
+            <p:cNvPr id="5" name="Grafik 31" descr="DNA">
+              <a:extLst>
+                <a:ext uri="{FF2B5EF4-FFF2-40B4-BE49-F238E27FC236}">
+                  <a16:creationId xmlns:a16="http://schemas.microsoft.com/office/drawing/2014/main" id="{F175B58A-4442-E740-83B0-8A69D0EACE94}"/>
+                </a:ext>
+              </a:extLst>
+            </p:cNvPr>
+            <p:cNvPicPr>
+              <a:picLocks noChangeAspect="1"/>
+            </p:cNvPicPr>
+            <p:nvPr/>
+          </p:nvPicPr>
+          <p:blipFill>
+            <a:blip r:embed="rId2">
+              <a:extLst>
+                <a:ext uri="{28A0092B-C50C-407E-A947-70E740481C1C}">
+                  <a14:useLocalDpi xmlns:a14="http://schemas.microsoft.com/office/drawing/2010/main" val="0"/>
+                </a:ext>
+                <a:ext uri="{96DAC541-7B7A-43D3-8B79-37D633B846F1}">
+                  <asvg:svgBlip xmlns:asvg="http://schemas.microsoft.com/office/drawing/2016/SVG/main" r:embed="rId3"/>
+                </a:ext>
+              </a:extLst>
+            </a:blip>
+            <a:stretch>
+              <a:fillRect/>
+            </a:stretch>
+          </p:blipFill>
+          <p:spPr>
+            <a:xfrm rot="16200000">
+              <a:off x="1406069" y="4867064"/>
+              <a:ext cx="756047" cy="756047"/>
+            </a:xfrm>
+            <a:prstGeom prst="rect">
+              <a:avLst/>
+            </a:prstGeom>
+          </p:spPr>
+        </p:pic>
+        <p:pic>
+          <p:nvPicPr>
+            <p:cNvPr id="6" name="Grafik 32" descr="DNA">
+              <a:extLst>
+                <a:ext uri="{FF2B5EF4-FFF2-40B4-BE49-F238E27FC236}">
+                  <a16:creationId xmlns:a16="http://schemas.microsoft.com/office/drawing/2014/main" id="{AFE32277-D4B5-DD49-B577-0A20B4BD3DAA}"/>
+                </a:ext>
+              </a:extLst>
+            </p:cNvPr>
+            <p:cNvPicPr>
+              <a:picLocks noChangeAspect="1"/>
+            </p:cNvPicPr>
+            <p:nvPr/>
+          </p:nvPicPr>
+          <p:blipFill>
+            <a:blip r:embed="rId2">
+              <a:extLst>
+                <a:ext uri="{28A0092B-C50C-407E-A947-70E740481C1C}">
+                  <a14:useLocalDpi xmlns:a14="http://schemas.microsoft.com/office/drawing/2010/main" val="0"/>
+                </a:ext>
+                <a:ext uri="{96DAC541-7B7A-43D3-8B79-37D633B846F1}">
+                  <asvg:svgBlip xmlns:asvg="http://schemas.microsoft.com/office/drawing/2016/SVG/main" r:embed="rId3"/>
+                </a:ext>
+              </a:extLst>
+            </a:blip>
+            <a:stretch>
+              <a:fillRect/>
+            </a:stretch>
+          </p:blipFill>
+          <p:spPr>
+            <a:xfrm rot="16200000">
+              <a:off x="2095224" y="4865593"/>
+              <a:ext cx="756047" cy="756047"/>
+            </a:xfrm>
+            <a:prstGeom prst="rect">
+              <a:avLst/>
+            </a:prstGeom>
+          </p:spPr>
+        </p:pic>
+        <p:sp>
+          <p:nvSpPr>
+            <p:cNvPr id="7" name="Teilkreis 33">
+              <a:extLst>
+                <a:ext uri="{FF2B5EF4-FFF2-40B4-BE49-F238E27FC236}">
+                  <a16:creationId xmlns:a16="http://schemas.microsoft.com/office/drawing/2014/main" id="{21147980-CA69-2A4F-9CD5-32C30C972FC5}"/>
+                </a:ext>
+              </a:extLst>
+            </p:cNvPr>
+            <p:cNvSpPr/>
+            <p:nvPr/>
+          </p:nvSpPr>
+          <p:spPr>
+            <a:xfrm>
+              <a:off x="1834962" y="4595380"/>
+              <a:ext cx="358172" cy="617776"/>
+            </a:xfrm>
+            <a:prstGeom prst="pie">
+              <a:avLst>
+                <a:gd name="adj1" fmla="val 17234751"/>
+                <a:gd name="adj2" fmla="val 15118003"/>
+              </a:avLst>
+            </a:prstGeom>
+            <a:solidFill>
+              <a:srgbClr val="27AE5D"/>
+            </a:solidFill>
+            <a:ln>
+              <a:noFill/>
+            </a:ln>
+            <a:effectLst/>
+            <a:scene3d>
+              <a:camera prst="orthographicFront"/>
+              <a:lightRig rig="threePt" dir="t"/>
+            </a:scene3d>
+            <a:sp3d>
+              <a:bevelT/>
+            </a:sp3d>
+          </p:spPr>
+          <p:style>
+            <a:lnRef idx="0">
+              <a:schemeClr val="accent6"/>
+            </a:lnRef>
+            <a:fillRef idx="3">
+              <a:schemeClr val="accent6"/>
+            </a:fillRef>
+            <a:effectRef idx="3">
+              <a:schemeClr val="accent6"/>
+            </a:effectRef>
+            <a:fontRef idx="minor">
+              <a:schemeClr val="lt1"/>
+            </a:fontRef>
+          </p:style>
+          <p:txBody>
+            <a:bodyPr rtlCol="0" anchor="ctr"/>
+            <a:lstStyle/>
+            <a:p>
+              <a:pPr algn="ctr"/>
+              <a:endParaRPr lang="en-GB" sz="1012">
+                <a:solidFill>
+                  <a:schemeClr val="tx1"/>
+                </a:solidFill>
+              </a:endParaRPr>
+            </a:p>
+          </p:txBody>
+        </p:sp>
+        <p:sp>
+          <p:nvSpPr>
+            <p:cNvPr id="8" name="Teilkreis 40">
+              <a:extLst>
+                <a:ext uri="{FF2B5EF4-FFF2-40B4-BE49-F238E27FC236}">
+                  <a16:creationId xmlns:a16="http://schemas.microsoft.com/office/drawing/2014/main" id="{C1AD1C9F-B24A-1E4F-AC98-516D21442E4F}"/>
+                </a:ext>
+              </a:extLst>
+            </p:cNvPr>
+            <p:cNvSpPr/>
+            <p:nvPr/>
+          </p:nvSpPr>
+          <p:spPr>
+            <a:xfrm>
+              <a:off x="1499980" y="4595380"/>
+              <a:ext cx="358172" cy="617776"/>
+            </a:xfrm>
+            <a:prstGeom prst="pie">
+              <a:avLst>
+                <a:gd name="adj1" fmla="val 17234751"/>
+                <a:gd name="adj2" fmla="val 15118003"/>
+              </a:avLst>
+            </a:prstGeom>
+            <a:solidFill>
+              <a:srgbClr val="27AE5D"/>
+            </a:solidFill>
+            <a:ln>
+              <a:noFill/>
+            </a:ln>
+            <a:effectLst/>
+            <a:scene3d>
+              <a:camera prst="orthographicFront"/>
+              <a:lightRig rig="threePt" dir="t"/>
+            </a:scene3d>
+            <a:sp3d>
+              <a:bevelT/>
+            </a:sp3d>
+          </p:spPr>
+          <p:style>
+            <a:lnRef idx="0">
+              <a:schemeClr val="accent6"/>
+            </a:lnRef>
+            <a:fillRef idx="3">
+              <a:schemeClr val="accent6"/>
+            </a:fillRef>
+            <a:effectRef idx="3">
+              <a:schemeClr val="accent6"/>
+            </a:effectRef>
+            <a:fontRef idx="minor">
+              <a:schemeClr val="lt1"/>
+            </a:fontRef>
+          </p:style>
+          <p:txBody>
+            <a:bodyPr rtlCol="0" anchor="ctr"/>
+            <a:lstStyle/>
+            <a:p>
+              <a:pPr algn="ctr"/>
+              <a:endParaRPr lang="en-GB" sz="1012">
+                <a:solidFill>
+                  <a:schemeClr val="tx1"/>
+                </a:solidFill>
+              </a:endParaRPr>
+            </a:p>
+          </p:txBody>
+        </p:sp>
+        <p:sp>
+          <p:nvSpPr>
+            <p:cNvPr id="9" name="Gleichschenkliges Dreieck 41">
+              <a:extLst>
+                <a:ext uri="{FF2B5EF4-FFF2-40B4-BE49-F238E27FC236}">
+                  <a16:creationId xmlns:a16="http://schemas.microsoft.com/office/drawing/2014/main" id="{31C79515-3723-EF48-AC3D-F61BA6600DEF}"/>
+                </a:ext>
+              </a:extLst>
+            </p:cNvPr>
+            <p:cNvSpPr/>
+            <p:nvPr/>
+          </p:nvSpPr>
+          <p:spPr>
+            <a:xfrm rot="10800000">
+              <a:off x="1575126" y="4600856"/>
+              <a:ext cx="207258" cy="327422"/>
+            </a:xfrm>
+            <a:prstGeom prst="triangle">
+              <a:avLst/>
+            </a:prstGeom>
+            <a:solidFill>
+              <a:srgbClr val="66FF33"/>
+            </a:solidFill>
+            <a:ln>
+              <a:noFill/>
+            </a:ln>
+            <a:scene3d>
+              <a:camera prst="orthographicFront"/>
+              <a:lightRig rig="threePt" dir="t"/>
+            </a:scene3d>
+            <a:sp3d>
+              <a:bevelT/>
+            </a:sp3d>
+          </p:spPr>
+          <p:style>
+            <a:lnRef idx="2">
+              <a:schemeClr val="accent1">
+                <a:shade val="50000"/>
+              </a:schemeClr>
+            </a:lnRef>
+            <a:fillRef idx="1">
+              <a:schemeClr val="accent1"/>
+            </a:fillRef>
+            <a:effectRef idx="0">
+              <a:schemeClr val="accent1"/>
+            </a:effectRef>
+            <a:fontRef idx="minor">
+              <a:schemeClr val="lt1"/>
+            </a:fontRef>
+          </p:style>
+          <p:txBody>
+            <a:bodyPr rtlCol="0" anchor="ctr"/>
+            <a:lstStyle/>
+            <a:p>
+              <a:pPr algn="ctr"/>
+              <a:endParaRPr lang="en-GB" sz="1012"/>
+            </a:p>
+          </p:txBody>
+        </p:sp>
+        <p:sp>
+          <p:nvSpPr>
+            <p:cNvPr id="10" name="Gleichschenkliges Dreieck 42">
+              <a:extLst>
+                <a:ext uri="{FF2B5EF4-FFF2-40B4-BE49-F238E27FC236}">
+                  <a16:creationId xmlns:a16="http://schemas.microsoft.com/office/drawing/2014/main" id="{1DACDC15-8957-E44F-86EB-DDFEFD6AC456}"/>
+                </a:ext>
+              </a:extLst>
+            </p:cNvPr>
+            <p:cNvSpPr/>
+            <p:nvPr/>
+          </p:nvSpPr>
+          <p:spPr>
+            <a:xfrm rot="10800000">
+              <a:off x="1908041" y="4602573"/>
+              <a:ext cx="207258" cy="327422"/>
+            </a:xfrm>
+            <a:prstGeom prst="triangle">
+              <a:avLst/>
+            </a:prstGeom>
+            <a:solidFill>
+              <a:srgbClr val="66FF33"/>
+            </a:solidFill>
+            <a:ln>
+              <a:noFill/>
+            </a:ln>
+            <a:scene3d>
+              <a:camera prst="orthographicFront"/>
+              <a:lightRig rig="threePt" dir="t"/>
+            </a:scene3d>
+            <a:sp3d>
+              <a:bevelT/>
+            </a:sp3d>
+          </p:spPr>
+          <p:style>
+            <a:lnRef idx="2">
+              <a:schemeClr val="accent1">
+                <a:shade val="50000"/>
+              </a:schemeClr>
+            </a:lnRef>
+            <a:fillRef idx="1">
+              <a:schemeClr val="accent1"/>
+            </a:fillRef>
+            <a:effectRef idx="0">
+              <a:schemeClr val="accent1"/>
+            </a:effectRef>
+            <a:fontRef idx="minor">
+              <a:schemeClr val="lt1"/>
+            </a:fontRef>
+          </p:style>
+          <p:txBody>
+            <a:bodyPr rtlCol="0" anchor="ctr"/>
+            <a:lstStyle/>
+            <a:p>
+              <a:pPr algn="ctr"/>
+              <a:endParaRPr lang="en-GB" sz="1012"/>
+            </a:p>
+          </p:txBody>
+        </p:sp>
+        <p:cxnSp>
+          <p:nvCxnSpPr>
+            <p:cNvPr id="11" name="Verbinder: gewinkelt 44">
+              <a:extLst>
+                <a:ext uri="{FF2B5EF4-FFF2-40B4-BE49-F238E27FC236}">
+                  <a16:creationId xmlns:a16="http://schemas.microsoft.com/office/drawing/2014/main" id="{3C7A7DC0-DD8E-8346-BEBA-DF98D2324F61}"/>
+                </a:ext>
+              </a:extLst>
+            </p:cNvPr>
+            <p:cNvCxnSpPr>
+              <a:cxnSpLocks/>
+            </p:cNvCxnSpPr>
+            <p:nvPr/>
+          </p:nvCxnSpPr>
+          <p:spPr>
+            <a:xfrm flipV="1">
+              <a:off x="2407325" y="4795016"/>
+              <a:ext cx="770848" cy="291270"/>
+            </a:xfrm>
+            <a:prstGeom prst="bentConnector3">
+              <a:avLst>
+                <a:gd name="adj1" fmla="val 2038"/>
+              </a:avLst>
+            </a:prstGeom>
+            <a:ln w="38100">
+              <a:solidFill>
+                <a:schemeClr val="tx1"/>
+              </a:solidFill>
+              <a:tailEnd type="triangle"/>
+            </a:ln>
+          </p:spPr>
+          <p:style>
+            <a:lnRef idx="1">
+              <a:schemeClr val="accent1"/>
+            </a:lnRef>
+            <a:fillRef idx="0">
+              <a:schemeClr val="accent1"/>
+            </a:fillRef>
+            <a:effectRef idx="0">
+              <a:schemeClr val="accent1"/>
+            </a:effectRef>
+            <a:fontRef idx="minor">
+              <a:schemeClr val="tx1"/>
+            </a:fontRef>
+          </p:style>
+        </p:cxnSp>
+        <p:pic>
+          <p:nvPicPr>
+            <p:cNvPr id="12" name="Grafik 81" descr="DNA">
+              <a:extLst>
+                <a:ext uri="{FF2B5EF4-FFF2-40B4-BE49-F238E27FC236}">
+                  <a16:creationId xmlns:a16="http://schemas.microsoft.com/office/drawing/2014/main" id="{7EE171BD-DA3C-D64E-A309-69EB8B1CD543}"/>
+                </a:ext>
+              </a:extLst>
+            </p:cNvPr>
+            <p:cNvPicPr>
+              <a:picLocks noChangeAspect="1"/>
+            </p:cNvPicPr>
+            <p:nvPr/>
+          </p:nvPicPr>
+          <p:blipFill rotWithShape="1">
+            <a:blip r:embed="rId2">
+              <a:extLst>
+                <a:ext uri="{28A0092B-C50C-407E-A947-70E740481C1C}">
+                  <a14:useLocalDpi xmlns:a14="http://schemas.microsoft.com/office/drawing/2010/main" val="0"/>
+                </a:ext>
+                <a:ext uri="{96DAC541-7B7A-43D3-8B79-37D633B846F1}">
+                  <asvg:svgBlip xmlns:asvg="http://schemas.microsoft.com/office/drawing/2016/SVG/main" r:embed="rId3"/>
+                </a:ext>
+              </a:extLst>
+            </a:blip>
+            <a:srcRect b="48743"/>
+            <a:stretch/>
+          </p:blipFill>
+          <p:spPr>
+            <a:xfrm rot="16200000">
+              <a:off x="2588447" y="5051473"/>
+              <a:ext cx="756047" cy="387520"/>
+            </a:xfrm>
+            <a:prstGeom prst="rect">
+              <a:avLst/>
+            </a:prstGeom>
+          </p:spPr>
+        </p:pic>
+      </p:grpSp>
+      <p:sp>
+        <p:nvSpPr>
+          <p:cNvPr id="13" name="Textfeld 79">
+            <a:extLst>
+              <a:ext uri="{FF2B5EF4-FFF2-40B4-BE49-F238E27FC236}">
+                <a16:creationId xmlns:a16="http://schemas.microsoft.com/office/drawing/2014/main" id="{3F0D1CCE-F1F0-D346-A62E-AD5DB6414FAD}"/>
+              </a:ext>
+            </a:extLst>
+          </p:cNvPr>
+          <p:cNvSpPr txBox="1"/>
+          <p:nvPr/>
+        </p:nvSpPr>
+        <p:spPr>
+          <a:xfrm>
+            <a:off x="7348509" y="2836944"/>
+            <a:ext cx="1769040" cy="603458"/>
+          </a:xfrm>
+          <a:prstGeom prst="rect">
+            <a:avLst/>
+          </a:prstGeom>
+          <a:solidFill>
+            <a:schemeClr val="bg1">
+              <a:lumMod val="65000"/>
+            </a:schemeClr>
+          </a:solidFill>
+          <a:ln>
+            <a:solidFill>
+              <a:schemeClr val="tx1"/>
+            </a:solidFill>
+          </a:ln>
+        </p:spPr>
+        <p:txBody>
+          <a:bodyPr wrap="square" lIns="20250" tIns="24491" rIns="20250" bIns="24491" rtlCol="0" anchor="ctr">
+            <a:spAutoFit/>
+          </a:bodyPr>
+          <a:lstStyle/>
+          <a:p>
+            <a:pPr algn="ctr"/>
+            <a:r>
+              <a:rPr lang="en-GB" dirty="0"/>
+              <a:t>Overstimulated Cell Growth</a:t>
+            </a:r>
+          </a:p>
+        </p:txBody>
+      </p:sp>
+      <p:grpSp>
+        <p:nvGrpSpPr>
+          <p:cNvPr id="14" name="Gruppieren 1">
+            <a:extLst>
+              <a:ext uri="{FF2B5EF4-FFF2-40B4-BE49-F238E27FC236}">
+                <a16:creationId xmlns:a16="http://schemas.microsoft.com/office/drawing/2014/main" id="{5C09DAED-482C-0044-85CA-D6C4E6F6BFC1}"/>
+              </a:ext>
+            </a:extLst>
+          </p:cNvPr>
+          <p:cNvGrpSpPr/>
+          <p:nvPr/>
+        </p:nvGrpSpPr>
+        <p:grpSpPr>
+          <a:xfrm>
+            <a:off x="10178694" y="2835782"/>
+            <a:ext cx="2018239" cy="1945841"/>
+            <a:chOff x="8610501" y="2281646"/>
+            <a:chExt cx="1470124" cy="1033683"/>
+          </a:xfrm>
+        </p:grpSpPr>
+        <p:grpSp>
+          <p:nvGrpSpPr>
+            <p:cNvPr id="15" name="Gruppieren 75">
+              <a:extLst>
+                <a:ext uri="{FF2B5EF4-FFF2-40B4-BE49-F238E27FC236}">
+                  <a16:creationId xmlns:a16="http://schemas.microsoft.com/office/drawing/2014/main" id="{974900F6-A8B4-C347-85EB-9CE5027FA958}"/>
+                </a:ext>
+              </a:extLst>
+            </p:cNvPr>
+            <p:cNvGrpSpPr/>
+            <p:nvPr/>
+          </p:nvGrpSpPr>
+          <p:grpSpPr>
+            <a:xfrm>
+              <a:off x="8737109" y="2281646"/>
+              <a:ext cx="1343516" cy="1033683"/>
+              <a:chOff x="8303833" y="5468420"/>
+              <a:chExt cx="1624914" cy="1250187"/>
+            </a:xfrm>
+          </p:grpSpPr>
+          <p:sp>
+            <p:nvSpPr>
+              <p:cNvPr id="18" name="Explosion: 8 Zacken 65">
+                <a:extLst>
+                  <a:ext uri="{FF2B5EF4-FFF2-40B4-BE49-F238E27FC236}">
+                    <a16:creationId xmlns:a16="http://schemas.microsoft.com/office/drawing/2014/main" id="{E9963614-4885-214F-A1D2-11917FF65094}"/>
+                  </a:ext>
+                </a:extLst>
+              </p:cNvPr>
+              <p:cNvSpPr/>
+              <p:nvPr/>
+            </p:nvSpPr>
+            <p:spPr>
+              <a:xfrm>
+                <a:off x="8303833" y="5902873"/>
+                <a:ext cx="733671" cy="570486"/>
+              </a:xfrm>
+              <a:prstGeom prst="irregularSeal1">
+                <a:avLst/>
+              </a:prstGeom>
+              <a:solidFill>
+                <a:srgbClr val="E20000"/>
+              </a:solidFill>
+              <a:ln>
+                <a:noFill/>
+              </a:ln>
+              <a:effectLst>
+                <a:outerShdw blurRad="50800" dist="38100" dir="2700000" algn="tl" rotWithShape="0">
+                  <a:prstClr val="black">
+                    <a:alpha val="40000"/>
+                  </a:prstClr>
+                </a:outerShdw>
+              </a:effectLst>
+            </p:spPr>
+            <p:style>
+              <a:lnRef idx="2">
+                <a:schemeClr val="accent1">
+                  <a:shade val="50000"/>
+                </a:schemeClr>
+              </a:lnRef>
+              <a:fillRef idx="1">
+                <a:schemeClr val="accent1"/>
+              </a:fillRef>
+              <a:effectRef idx="0">
+                <a:schemeClr val="accent1"/>
+              </a:effectRef>
+              <a:fontRef idx="minor">
+                <a:schemeClr val="lt1"/>
+              </a:fontRef>
+            </p:style>
+            <p:txBody>
+              <a:bodyPr rtlCol="0" anchor="ctr"/>
+              <a:lstStyle/>
+              <a:p>
+                <a:pPr algn="ctr"/>
+                <a:endParaRPr lang="en-GB" sz="1012">
+                  <a:solidFill>
+                    <a:srgbClr val="C00000"/>
+                  </a:solidFill>
+                </a:endParaRPr>
+              </a:p>
+            </p:txBody>
+          </p:sp>
+          <p:sp>
+            <p:nvSpPr>
+              <p:cNvPr id="19" name="Ellipse 66">
+                <a:extLst>
+                  <a:ext uri="{FF2B5EF4-FFF2-40B4-BE49-F238E27FC236}">
+                    <a16:creationId xmlns:a16="http://schemas.microsoft.com/office/drawing/2014/main" id="{ADA034E6-FAC1-CB4B-8F30-0F802ECBEA2A}"/>
+                  </a:ext>
+                </a:extLst>
+              </p:cNvPr>
+              <p:cNvSpPr/>
+              <p:nvPr/>
+            </p:nvSpPr>
+            <p:spPr>
+              <a:xfrm>
+                <a:off x="8534190" y="6104026"/>
+                <a:ext cx="218365" cy="165235"/>
+              </a:xfrm>
+              <a:prstGeom prst="ellipse">
+                <a:avLst/>
+              </a:prstGeom>
+              <a:solidFill>
+                <a:srgbClr val="960000"/>
+              </a:solidFill>
+              <a:ln>
+                <a:noFill/>
+              </a:ln>
+            </p:spPr>
+            <p:style>
+              <a:lnRef idx="2">
+                <a:schemeClr val="accent1">
+                  <a:shade val="50000"/>
+                </a:schemeClr>
+              </a:lnRef>
+              <a:fillRef idx="1">
+                <a:schemeClr val="accent1"/>
+              </a:fillRef>
+              <a:effectRef idx="0">
+                <a:schemeClr val="accent1"/>
+              </a:effectRef>
+              <a:fontRef idx="minor">
+                <a:schemeClr val="lt1"/>
+              </a:fontRef>
+            </p:style>
+            <p:txBody>
+              <a:bodyPr rtlCol="0" anchor="ctr"/>
+              <a:lstStyle/>
+              <a:p>
+                <a:pPr algn="ctr"/>
+                <a:endParaRPr lang="en-GB" sz="1012">
+                  <a:solidFill>
+                    <a:srgbClr val="C00000"/>
+                  </a:solidFill>
+                </a:endParaRPr>
+              </a:p>
+            </p:txBody>
+          </p:sp>
+          <p:sp>
+            <p:nvSpPr>
+              <p:cNvPr id="20" name="Explosion: 8 Zacken 63">
+                <a:extLst>
+                  <a:ext uri="{FF2B5EF4-FFF2-40B4-BE49-F238E27FC236}">
+                    <a16:creationId xmlns:a16="http://schemas.microsoft.com/office/drawing/2014/main" id="{BA54C435-302C-6C4C-BA97-7DB3E7372A4B}"/>
+                  </a:ext>
+                </a:extLst>
+              </p:cNvPr>
+              <p:cNvSpPr/>
+              <p:nvPr/>
+            </p:nvSpPr>
+            <p:spPr>
+              <a:xfrm>
+                <a:off x="8949417" y="6055448"/>
+                <a:ext cx="733671" cy="570486"/>
+              </a:xfrm>
+              <a:prstGeom prst="irregularSeal1">
+                <a:avLst/>
+              </a:prstGeom>
+              <a:solidFill>
+                <a:srgbClr val="E20000"/>
+              </a:solidFill>
+              <a:ln>
+                <a:noFill/>
+              </a:ln>
+              <a:effectLst>
+                <a:outerShdw blurRad="50800" dist="38100" dir="2700000" algn="tl" rotWithShape="0">
+                  <a:prstClr val="black">
+                    <a:alpha val="40000"/>
+                  </a:prstClr>
+                </a:outerShdw>
+              </a:effectLst>
+            </p:spPr>
+            <p:style>
+              <a:lnRef idx="2">
+                <a:schemeClr val="accent1">
+                  <a:shade val="50000"/>
+                </a:schemeClr>
+              </a:lnRef>
+              <a:fillRef idx="1">
+                <a:schemeClr val="accent1"/>
+              </a:fillRef>
+              <a:effectRef idx="0">
+                <a:schemeClr val="accent1"/>
+              </a:effectRef>
+              <a:fontRef idx="minor">
+                <a:schemeClr val="lt1"/>
+              </a:fontRef>
+            </p:style>
+            <p:txBody>
+              <a:bodyPr rtlCol="0" anchor="ctr"/>
+              <a:lstStyle/>
+              <a:p>
+                <a:pPr algn="ctr"/>
+                <a:endParaRPr lang="en-GB" sz="1012">
+                  <a:solidFill>
+                    <a:srgbClr val="C00000"/>
+                  </a:solidFill>
+                </a:endParaRPr>
+              </a:p>
+            </p:txBody>
+          </p:sp>
+          <p:sp>
+            <p:nvSpPr>
+              <p:cNvPr id="21" name="Ellipse 64">
+                <a:extLst>
+                  <a:ext uri="{FF2B5EF4-FFF2-40B4-BE49-F238E27FC236}">
+                    <a16:creationId xmlns:a16="http://schemas.microsoft.com/office/drawing/2014/main" id="{CDBB2669-0B67-3D4B-BF9B-BA16F79F98D7}"/>
+                  </a:ext>
+                </a:extLst>
+              </p:cNvPr>
+              <p:cNvSpPr/>
+              <p:nvPr/>
+            </p:nvSpPr>
+            <p:spPr>
+              <a:xfrm>
+                <a:off x="9207069" y="6269261"/>
+                <a:ext cx="218365" cy="165235"/>
+              </a:xfrm>
+              <a:prstGeom prst="ellipse">
+                <a:avLst/>
+              </a:prstGeom>
+              <a:solidFill>
+                <a:srgbClr val="960000"/>
+              </a:solidFill>
+              <a:ln>
+                <a:noFill/>
+              </a:ln>
+            </p:spPr>
+            <p:style>
+              <a:lnRef idx="2">
+                <a:schemeClr val="accent1">
+                  <a:shade val="50000"/>
+                </a:schemeClr>
+              </a:lnRef>
+              <a:fillRef idx="1">
+                <a:schemeClr val="accent1"/>
+              </a:fillRef>
+              <a:effectRef idx="0">
+                <a:schemeClr val="accent1"/>
+              </a:effectRef>
+              <a:fontRef idx="minor">
+                <a:schemeClr val="lt1"/>
+              </a:fontRef>
+            </p:style>
+            <p:txBody>
+              <a:bodyPr rtlCol="0" anchor="ctr"/>
+              <a:lstStyle/>
+              <a:p>
+                <a:pPr algn="ctr"/>
+                <a:endParaRPr lang="en-GB" sz="1012">
+                  <a:solidFill>
+                    <a:srgbClr val="C00000"/>
+                  </a:solidFill>
+                </a:endParaRPr>
+              </a:p>
+            </p:txBody>
+          </p:sp>
+          <p:sp>
+            <p:nvSpPr>
+              <p:cNvPr id="22" name="Explosion: 8 Zacken 55">
+                <a:extLst>
+                  <a:ext uri="{FF2B5EF4-FFF2-40B4-BE49-F238E27FC236}">
+                    <a16:creationId xmlns:a16="http://schemas.microsoft.com/office/drawing/2014/main" id="{F23861AD-6B72-244A-9826-8A747CECDBEE}"/>
+                  </a:ext>
+                </a:extLst>
+              </p:cNvPr>
+              <p:cNvSpPr/>
+              <p:nvPr/>
+            </p:nvSpPr>
+            <p:spPr>
+              <a:xfrm>
+                <a:off x="8655988" y="5515794"/>
+                <a:ext cx="733671" cy="570486"/>
+              </a:xfrm>
+              <a:prstGeom prst="irregularSeal1">
+                <a:avLst/>
+              </a:prstGeom>
+              <a:solidFill>
+                <a:srgbClr val="E20000"/>
+              </a:solidFill>
+              <a:ln>
+                <a:noFill/>
+              </a:ln>
+              <a:effectLst>
+                <a:outerShdw blurRad="50800" dist="38100" dir="2700000" algn="tl" rotWithShape="0">
+                  <a:prstClr val="black">
+                    <a:alpha val="40000"/>
+                  </a:prstClr>
+                </a:outerShdw>
+              </a:effectLst>
+            </p:spPr>
+            <p:style>
+              <a:lnRef idx="2">
+                <a:schemeClr val="accent1">
+                  <a:shade val="50000"/>
+                </a:schemeClr>
+              </a:lnRef>
+              <a:fillRef idx="1">
+                <a:schemeClr val="accent1"/>
+              </a:fillRef>
+              <a:effectRef idx="0">
+                <a:schemeClr val="accent1"/>
+              </a:effectRef>
+              <a:fontRef idx="minor">
+                <a:schemeClr val="lt1"/>
+              </a:fontRef>
+            </p:style>
+            <p:txBody>
+              <a:bodyPr rtlCol="0" anchor="ctr"/>
+              <a:lstStyle/>
+              <a:p>
+                <a:pPr algn="ctr"/>
+                <a:endParaRPr lang="en-GB" sz="1012">
+                  <a:solidFill>
+                    <a:srgbClr val="C00000"/>
+                  </a:solidFill>
+                </a:endParaRPr>
+              </a:p>
+            </p:txBody>
+          </p:sp>
+          <p:sp>
+            <p:nvSpPr>
+              <p:cNvPr id="23" name="Ellipse 56">
+                <a:extLst>
+                  <a:ext uri="{FF2B5EF4-FFF2-40B4-BE49-F238E27FC236}">
+                    <a16:creationId xmlns:a16="http://schemas.microsoft.com/office/drawing/2014/main" id="{28D1F782-58F1-3E4C-8247-A8F6E7E12CBC}"/>
+                  </a:ext>
+                </a:extLst>
+              </p:cNvPr>
+              <p:cNvSpPr/>
+              <p:nvPr/>
+            </p:nvSpPr>
+            <p:spPr>
+              <a:xfrm>
+                <a:off x="8886345" y="5716947"/>
+                <a:ext cx="218365" cy="165235"/>
+              </a:xfrm>
+              <a:prstGeom prst="ellipse">
+                <a:avLst/>
+              </a:prstGeom>
+              <a:solidFill>
+                <a:srgbClr val="960000"/>
+              </a:solidFill>
+              <a:ln>
+                <a:noFill/>
+              </a:ln>
+            </p:spPr>
+            <p:style>
+              <a:lnRef idx="2">
+                <a:schemeClr val="accent1">
+                  <a:shade val="50000"/>
+                </a:schemeClr>
+              </a:lnRef>
+              <a:fillRef idx="1">
+                <a:schemeClr val="accent1"/>
+              </a:fillRef>
+              <a:effectRef idx="0">
+                <a:schemeClr val="accent1"/>
+              </a:effectRef>
+              <a:fontRef idx="minor">
+                <a:schemeClr val="lt1"/>
+              </a:fontRef>
+            </p:style>
+            <p:txBody>
+              <a:bodyPr rtlCol="0" anchor="ctr"/>
+              <a:lstStyle/>
+              <a:p>
+                <a:pPr algn="ctr"/>
+                <a:endParaRPr lang="en-GB" sz="1012">
+                  <a:solidFill>
+                    <a:srgbClr val="C00000"/>
+                  </a:solidFill>
+                </a:endParaRPr>
+              </a:p>
+            </p:txBody>
+          </p:sp>
+          <p:sp>
+            <p:nvSpPr>
+              <p:cNvPr id="24" name="Explosion: 8 Zacken 57">
+                <a:extLst>
+                  <a:ext uri="{FF2B5EF4-FFF2-40B4-BE49-F238E27FC236}">
+                    <a16:creationId xmlns:a16="http://schemas.microsoft.com/office/drawing/2014/main" id="{8573797E-F47B-B04B-83E6-22E9596EBD45}"/>
+                  </a:ext>
+                </a:extLst>
+              </p:cNvPr>
+              <p:cNvSpPr/>
+              <p:nvPr/>
+            </p:nvSpPr>
+            <p:spPr>
+              <a:xfrm>
+                <a:off x="8699204" y="5804673"/>
+                <a:ext cx="733671" cy="570486"/>
+              </a:xfrm>
+              <a:prstGeom prst="irregularSeal1">
+                <a:avLst/>
+              </a:prstGeom>
+              <a:solidFill>
+                <a:srgbClr val="E20000"/>
+              </a:solidFill>
+              <a:ln>
+                <a:noFill/>
+              </a:ln>
+              <a:effectLst>
+                <a:outerShdw blurRad="50800" dist="38100" dir="2700000" algn="tl" rotWithShape="0">
+                  <a:prstClr val="black">
+                    <a:alpha val="40000"/>
+                  </a:prstClr>
+                </a:outerShdw>
+              </a:effectLst>
+            </p:spPr>
+            <p:style>
+              <a:lnRef idx="2">
+                <a:schemeClr val="accent1">
+                  <a:shade val="50000"/>
+                </a:schemeClr>
+              </a:lnRef>
+              <a:fillRef idx="1">
+                <a:schemeClr val="accent1"/>
+              </a:fillRef>
+              <a:effectRef idx="0">
+                <a:schemeClr val="accent1"/>
+              </a:effectRef>
+              <a:fontRef idx="minor">
+                <a:schemeClr val="lt1"/>
+              </a:fontRef>
+            </p:style>
+            <p:txBody>
+              <a:bodyPr rtlCol="0" anchor="ctr"/>
+              <a:lstStyle/>
+              <a:p>
+                <a:pPr algn="ctr"/>
+                <a:endParaRPr lang="en-GB" sz="1012">
+                  <a:solidFill>
+                    <a:srgbClr val="C00000"/>
+                  </a:solidFill>
+                </a:endParaRPr>
+              </a:p>
+            </p:txBody>
+          </p:sp>
+          <p:sp>
+            <p:nvSpPr>
+              <p:cNvPr id="25" name="Ellipse 58">
+                <a:extLst>
+                  <a:ext uri="{FF2B5EF4-FFF2-40B4-BE49-F238E27FC236}">
+                    <a16:creationId xmlns:a16="http://schemas.microsoft.com/office/drawing/2014/main" id="{BDDFFA02-8077-B54A-8C5F-7E64C26FCFF0}"/>
+                  </a:ext>
+                </a:extLst>
+              </p:cNvPr>
+              <p:cNvSpPr/>
+              <p:nvPr/>
+            </p:nvSpPr>
+            <p:spPr>
+              <a:xfrm>
+                <a:off x="8929561" y="6005826"/>
+                <a:ext cx="218365" cy="165235"/>
+              </a:xfrm>
+              <a:prstGeom prst="ellipse">
+                <a:avLst/>
+              </a:prstGeom>
+              <a:solidFill>
+                <a:srgbClr val="960000"/>
+              </a:solidFill>
+              <a:ln>
+                <a:noFill/>
+              </a:ln>
+            </p:spPr>
+            <p:style>
+              <a:lnRef idx="2">
+                <a:schemeClr val="accent1">
+                  <a:shade val="50000"/>
+                </a:schemeClr>
+              </a:lnRef>
+              <a:fillRef idx="1">
+                <a:schemeClr val="accent1"/>
+              </a:fillRef>
+              <a:effectRef idx="0">
+                <a:schemeClr val="accent1"/>
+              </a:effectRef>
+              <a:fontRef idx="minor">
+                <a:schemeClr val="lt1"/>
+              </a:fontRef>
+            </p:style>
+            <p:txBody>
+              <a:bodyPr rtlCol="0" anchor="ctr"/>
+              <a:lstStyle/>
+              <a:p>
+                <a:pPr algn="ctr"/>
+                <a:endParaRPr lang="en-GB" sz="1012">
+                  <a:solidFill>
+                    <a:srgbClr val="C00000"/>
+                  </a:solidFill>
+                </a:endParaRPr>
+              </a:p>
+            </p:txBody>
+          </p:sp>
+          <p:sp>
+            <p:nvSpPr>
+              <p:cNvPr id="26" name="Explosion: 8 Zacken 59">
+                <a:extLst>
+                  <a:ext uri="{FF2B5EF4-FFF2-40B4-BE49-F238E27FC236}">
+                    <a16:creationId xmlns:a16="http://schemas.microsoft.com/office/drawing/2014/main" id="{8B99812C-2F96-1F45-87EE-294ACB0B1936}"/>
+                  </a:ext>
+                </a:extLst>
+              </p:cNvPr>
+              <p:cNvSpPr/>
+              <p:nvPr/>
+            </p:nvSpPr>
+            <p:spPr>
+              <a:xfrm>
+                <a:off x="9179154" y="5834808"/>
+                <a:ext cx="733671" cy="570486"/>
+              </a:xfrm>
+              <a:prstGeom prst="irregularSeal1">
+                <a:avLst/>
+              </a:prstGeom>
+              <a:solidFill>
+                <a:srgbClr val="E20000"/>
+              </a:solidFill>
+              <a:ln>
+                <a:noFill/>
+              </a:ln>
+              <a:effectLst>
+                <a:outerShdw blurRad="50800" dist="38100" dir="2700000" algn="tl" rotWithShape="0">
+                  <a:prstClr val="black">
+                    <a:alpha val="40000"/>
+                  </a:prstClr>
+                </a:outerShdw>
+              </a:effectLst>
+            </p:spPr>
+            <p:style>
+              <a:lnRef idx="2">
+                <a:schemeClr val="accent1">
+                  <a:shade val="50000"/>
+                </a:schemeClr>
+              </a:lnRef>
+              <a:fillRef idx="1">
+                <a:schemeClr val="accent1"/>
+              </a:fillRef>
+              <a:effectRef idx="0">
+                <a:schemeClr val="accent1"/>
+              </a:effectRef>
+              <a:fontRef idx="minor">
+                <a:schemeClr val="lt1"/>
+              </a:fontRef>
+            </p:style>
+            <p:txBody>
+              <a:bodyPr rtlCol="0" anchor="ctr"/>
+              <a:lstStyle/>
+              <a:p>
+                <a:pPr algn="ctr"/>
+                <a:endParaRPr lang="en-GB" sz="1012">
+                  <a:solidFill>
+                    <a:srgbClr val="C00000"/>
+                  </a:solidFill>
+                </a:endParaRPr>
+              </a:p>
+            </p:txBody>
+          </p:sp>
+          <p:sp>
+            <p:nvSpPr>
+              <p:cNvPr id="27" name="Ellipse 60">
+                <a:extLst>
+                  <a:ext uri="{FF2B5EF4-FFF2-40B4-BE49-F238E27FC236}">
+                    <a16:creationId xmlns:a16="http://schemas.microsoft.com/office/drawing/2014/main" id="{47AFA744-FB91-2346-8CDA-966FB61CE14C}"/>
+                  </a:ext>
+                </a:extLst>
+              </p:cNvPr>
+              <p:cNvSpPr/>
+              <p:nvPr/>
+            </p:nvSpPr>
+            <p:spPr>
+              <a:xfrm>
+                <a:off x="9436806" y="6048621"/>
+                <a:ext cx="218365" cy="165235"/>
+              </a:xfrm>
+              <a:prstGeom prst="ellipse">
+                <a:avLst/>
+              </a:prstGeom>
+              <a:solidFill>
+                <a:srgbClr val="960000"/>
+              </a:solidFill>
+              <a:ln>
+                <a:noFill/>
+              </a:ln>
+            </p:spPr>
+            <p:style>
+              <a:lnRef idx="2">
+                <a:schemeClr val="accent1">
+                  <a:shade val="50000"/>
+                </a:schemeClr>
+              </a:lnRef>
+              <a:fillRef idx="1">
+                <a:schemeClr val="accent1"/>
+              </a:fillRef>
+              <a:effectRef idx="0">
+                <a:schemeClr val="accent1"/>
+              </a:effectRef>
+              <a:fontRef idx="minor">
+                <a:schemeClr val="lt1"/>
+              </a:fontRef>
+            </p:style>
+            <p:txBody>
+              <a:bodyPr rtlCol="0" anchor="ctr"/>
+              <a:lstStyle/>
+              <a:p>
+                <a:pPr algn="ctr"/>
+                <a:endParaRPr lang="en-GB" sz="1012">
+                  <a:solidFill>
+                    <a:srgbClr val="C00000"/>
+                  </a:solidFill>
+                </a:endParaRPr>
+              </a:p>
+            </p:txBody>
+          </p:sp>
+          <p:sp>
+            <p:nvSpPr>
+              <p:cNvPr id="28" name="Explosion: 8 Zacken 61">
+                <a:extLst>
+                  <a:ext uri="{FF2B5EF4-FFF2-40B4-BE49-F238E27FC236}">
+                    <a16:creationId xmlns:a16="http://schemas.microsoft.com/office/drawing/2014/main" id="{18DC8738-F11C-A94D-8831-347340AA5BF2}"/>
+                  </a:ext>
+                </a:extLst>
+              </p:cNvPr>
+              <p:cNvSpPr/>
+              <p:nvPr/>
+            </p:nvSpPr>
+            <p:spPr>
+              <a:xfrm>
+                <a:off x="9195076" y="5468420"/>
+                <a:ext cx="733671" cy="570486"/>
+              </a:xfrm>
+              <a:prstGeom prst="irregularSeal1">
+                <a:avLst/>
+              </a:prstGeom>
+              <a:solidFill>
+                <a:srgbClr val="E20000"/>
+              </a:solidFill>
+              <a:ln>
+                <a:noFill/>
+              </a:ln>
+              <a:effectLst>
+                <a:outerShdw blurRad="50800" dist="38100" dir="2700000" algn="tl" rotWithShape="0">
+                  <a:prstClr val="black">
+                    <a:alpha val="40000"/>
+                  </a:prstClr>
+                </a:outerShdw>
+              </a:effectLst>
+            </p:spPr>
+            <p:style>
+              <a:lnRef idx="2">
+                <a:schemeClr val="accent1">
+                  <a:shade val="50000"/>
+                </a:schemeClr>
+              </a:lnRef>
+              <a:fillRef idx="1">
+                <a:schemeClr val="accent1"/>
+              </a:fillRef>
+              <a:effectRef idx="0">
+                <a:schemeClr val="accent1"/>
+              </a:effectRef>
+              <a:fontRef idx="minor">
+                <a:schemeClr val="lt1"/>
+              </a:fontRef>
+            </p:style>
+            <p:txBody>
+              <a:bodyPr rtlCol="0" anchor="ctr"/>
+              <a:lstStyle/>
+              <a:p>
+                <a:pPr algn="ctr"/>
+                <a:endParaRPr lang="en-GB" sz="1012">
+                  <a:solidFill>
+                    <a:srgbClr val="C00000"/>
+                  </a:solidFill>
+                </a:endParaRPr>
+              </a:p>
+            </p:txBody>
+          </p:sp>
+          <p:sp>
+            <p:nvSpPr>
+              <p:cNvPr id="29" name="Ellipse 62">
+                <a:extLst>
+                  <a:ext uri="{FF2B5EF4-FFF2-40B4-BE49-F238E27FC236}">
+                    <a16:creationId xmlns:a16="http://schemas.microsoft.com/office/drawing/2014/main" id="{B0E27255-17CD-DB4D-A8BC-FD00D03F3FB4}"/>
+                  </a:ext>
+                </a:extLst>
+              </p:cNvPr>
+              <p:cNvSpPr/>
+              <p:nvPr/>
+            </p:nvSpPr>
+            <p:spPr>
+              <a:xfrm>
+                <a:off x="9425433" y="5669573"/>
+                <a:ext cx="218365" cy="165235"/>
+              </a:xfrm>
+              <a:prstGeom prst="ellipse">
+                <a:avLst/>
+              </a:prstGeom>
+              <a:solidFill>
+                <a:srgbClr val="960000"/>
+              </a:solidFill>
+              <a:ln>
+                <a:noFill/>
+              </a:ln>
+            </p:spPr>
+            <p:style>
+              <a:lnRef idx="2">
+                <a:schemeClr val="accent1">
+                  <a:shade val="50000"/>
+                </a:schemeClr>
+              </a:lnRef>
+              <a:fillRef idx="1">
+                <a:schemeClr val="accent1"/>
+              </a:fillRef>
+              <a:effectRef idx="0">
+                <a:schemeClr val="accent1"/>
+              </a:effectRef>
+              <a:fontRef idx="minor">
+                <a:schemeClr val="lt1"/>
+              </a:fontRef>
+            </p:style>
+            <p:txBody>
+              <a:bodyPr rtlCol="0" anchor="ctr"/>
+              <a:lstStyle/>
+              <a:p>
+                <a:pPr algn="ctr"/>
+                <a:endParaRPr lang="en-GB" sz="1012">
+                  <a:solidFill>
+                    <a:srgbClr val="C00000"/>
+                  </a:solidFill>
+                </a:endParaRPr>
+              </a:p>
+            </p:txBody>
+          </p:sp>
+          <p:sp>
+            <p:nvSpPr>
+              <p:cNvPr id="30" name="Explosion: 8 Zacken 67">
+                <a:extLst>
+                  <a:ext uri="{FF2B5EF4-FFF2-40B4-BE49-F238E27FC236}">
+                    <a16:creationId xmlns:a16="http://schemas.microsoft.com/office/drawing/2014/main" id="{6984422A-1D0B-8540-A939-BD4658D6D8F8}"/>
+                  </a:ext>
+                </a:extLst>
+              </p:cNvPr>
+              <p:cNvSpPr/>
+              <p:nvPr/>
+            </p:nvSpPr>
+            <p:spPr>
+              <a:xfrm>
+                <a:off x="8552393" y="6148121"/>
+                <a:ext cx="733671" cy="570486"/>
+              </a:xfrm>
+              <a:prstGeom prst="irregularSeal1">
+                <a:avLst/>
+              </a:prstGeom>
+              <a:solidFill>
+                <a:srgbClr val="E20000"/>
+              </a:solidFill>
+              <a:ln>
+                <a:noFill/>
+              </a:ln>
+              <a:effectLst>
+                <a:outerShdw blurRad="50800" dist="38100" dir="2700000" algn="tl" rotWithShape="0">
+                  <a:prstClr val="black">
+                    <a:alpha val="40000"/>
+                  </a:prstClr>
+                </a:outerShdw>
+              </a:effectLst>
+            </p:spPr>
+            <p:style>
+              <a:lnRef idx="2">
+                <a:schemeClr val="accent1">
+                  <a:shade val="50000"/>
+                </a:schemeClr>
+              </a:lnRef>
+              <a:fillRef idx="1">
+                <a:schemeClr val="accent1"/>
+              </a:fillRef>
+              <a:effectRef idx="0">
+                <a:schemeClr val="accent1"/>
+              </a:effectRef>
+              <a:fontRef idx="minor">
+                <a:schemeClr val="lt1"/>
+              </a:fontRef>
+            </p:style>
+            <p:txBody>
+              <a:bodyPr rtlCol="0" anchor="ctr"/>
+              <a:lstStyle/>
+              <a:p>
+                <a:pPr algn="ctr"/>
+                <a:endParaRPr lang="en-GB" sz="1012">
+                  <a:solidFill>
+                    <a:srgbClr val="C00000"/>
+                  </a:solidFill>
+                </a:endParaRPr>
+              </a:p>
+            </p:txBody>
+          </p:sp>
+          <p:sp>
+            <p:nvSpPr>
+              <p:cNvPr id="31" name="Ellipse 68">
+                <a:extLst>
+                  <a:ext uri="{FF2B5EF4-FFF2-40B4-BE49-F238E27FC236}">
+                    <a16:creationId xmlns:a16="http://schemas.microsoft.com/office/drawing/2014/main" id="{58B44A09-DC3D-7D44-B444-7C390F25B643}"/>
+                  </a:ext>
+                </a:extLst>
+              </p:cNvPr>
+              <p:cNvSpPr/>
+              <p:nvPr/>
+            </p:nvSpPr>
+            <p:spPr>
+              <a:xfrm>
+                <a:off x="8782750" y="6349274"/>
+                <a:ext cx="218365" cy="165235"/>
+              </a:xfrm>
+              <a:prstGeom prst="ellipse">
+                <a:avLst/>
+              </a:prstGeom>
+              <a:solidFill>
+                <a:srgbClr val="960000"/>
+              </a:solidFill>
+              <a:ln>
+                <a:noFill/>
+              </a:ln>
+            </p:spPr>
+            <p:style>
+              <a:lnRef idx="2">
+                <a:schemeClr val="accent1">
+                  <a:shade val="50000"/>
+                </a:schemeClr>
+              </a:lnRef>
+              <a:fillRef idx="1">
+                <a:schemeClr val="accent1"/>
+              </a:fillRef>
+              <a:effectRef idx="0">
+                <a:schemeClr val="accent1"/>
+              </a:effectRef>
+              <a:fontRef idx="minor">
+                <a:schemeClr val="lt1"/>
+              </a:fontRef>
+            </p:style>
+            <p:txBody>
+              <a:bodyPr rtlCol="0" anchor="ctr"/>
+              <a:lstStyle/>
+              <a:p>
+                <a:pPr algn="ctr"/>
+                <a:endParaRPr lang="en-GB" sz="1012">
+                  <a:solidFill>
+                    <a:srgbClr val="C00000"/>
+                  </a:solidFill>
+                </a:endParaRPr>
+              </a:p>
+            </p:txBody>
+          </p:sp>
+        </p:grpSp>
+        <p:sp>
+          <p:nvSpPr>
+            <p:cNvPr id="16" name="Explosion: 8 Zacken 88">
+              <a:extLst>
+                <a:ext uri="{FF2B5EF4-FFF2-40B4-BE49-F238E27FC236}">
+                  <a16:creationId xmlns:a16="http://schemas.microsoft.com/office/drawing/2014/main" id="{7AB3ADFD-788A-3644-8179-168768507E0E}"/>
+                </a:ext>
+              </a:extLst>
+            </p:cNvPr>
+            <p:cNvSpPr/>
+            <p:nvPr/>
+          </p:nvSpPr>
+          <p:spPr>
+            <a:xfrm>
+              <a:off x="8610501" y="2372530"/>
+              <a:ext cx="606616" cy="471691"/>
+            </a:xfrm>
+            <a:prstGeom prst="irregularSeal1">
+              <a:avLst/>
+            </a:prstGeom>
+            <a:solidFill>
+              <a:srgbClr val="E20000"/>
+            </a:solidFill>
+            <a:ln>
+              <a:noFill/>
+            </a:ln>
+            <a:effectLst>
+              <a:outerShdw blurRad="50800" dist="38100" dir="2700000" algn="tl" rotWithShape="0">
+                <a:prstClr val="black">
+                  <a:alpha val="40000"/>
+                </a:prstClr>
+              </a:outerShdw>
+            </a:effectLst>
+          </p:spPr>
+          <p:style>
+            <a:lnRef idx="2">
+              <a:schemeClr val="accent1">
+                <a:shade val="50000"/>
+              </a:schemeClr>
+            </a:lnRef>
+            <a:fillRef idx="1">
+              <a:schemeClr val="accent1"/>
+            </a:fillRef>
+            <a:effectRef idx="0">
+              <a:schemeClr val="accent1"/>
+            </a:effectRef>
+            <a:fontRef idx="minor">
+              <a:schemeClr val="lt1"/>
+            </a:fontRef>
+          </p:style>
+          <p:txBody>
+            <a:bodyPr rtlCol="0" anchor="ctr"/>
+            <a:lstStyle/>
+            <a:p>
+              <a:pPr algn="ctr"/>
+              <a:endParaRPr lang="en-GB" sz="1012">
+                <a:solidFill>
+                  <a:srgbClr val="C00000"/>
+                </a:solidFill>
+              </a:endParaRPr>
+            </a:p>
+          </p:txBody>
+        </p:sp>
+        <p:sp>
+          <p:nvSpPr>
+            <p:cNvPr id="17" name="Ellipse 89">
+              <a:extLst>
+                <a:ext uri="{FF2B5EF4-FFF2-40B4-BE49-F238E27FC236}">
+                  <a16:creationId xmlns:a16="http://schemas.microsoft.com/office/drawing/2014/main" id="{73A2EF94-7223-2146-806E-41D4AD6FEB8C}"/>
+                </a:ext>
+              </a:extLst>
+            </p:cNvPr>
+            <p:cNvSpPr/>
+            <p:nvPr/>
+          </p:nvSpPr>
+          <p:spPr>
+            <a:xfrm>
+              <a:off x="8800966" y="2538849"/>
+              <a:ext cx="180549" cy="136620"/>
+            </a:xfrm>
+            <a:prstGeom prst="ellipse">
+              <a:avLst/>
+            </a:prstGeom>
+            <a:solidFill>
+              <a:srgbClr val="960000"/>
+            </a:solidFill>
+            <a:ln>
+              <a:noFill/>
+            </a:ln>
+          </p:spPr>
+          <p:style>
+            <a:lnRef idx="2">
+              <a:schemeClr val="accent1">
+                <a:shade val="50000"/>
+              </a:schemeClr>
+            </a:lnRef>
+            <a:fillRef idx="1">
+              <a:schemeClr val="accent1"/>
+            </a:fillRef>
+            <a:effectRef idx="0">
+              <a:schemeClr val="accent1"/>
+            </a:effectRef>
+            <a:fontRef idx="minor">
+              <a:schemeClr val="lt1"/>
+            </a:fontRef>
+          </p:style>
+          <p:txBody>
+            <a:bodyPr rtlCol="0" anchor="ctr"/>
+            <a:lstStyle/>
+            <a:p>
+              <a:pPr algn="ctr"/>
+              <a:endParaRPr lang="en-GB" sz="1012">
+                <a:solidFill>
+                  <a:srgbClr val="C00000"/>
+                </a:solidFill>
+              </a:endParaRPr>
+            </a:p>
+          </p:txBody>
+        </p:sp>
+      </p:grpSp>
+      <p:grpSp>
+        <p:nvGrpSpPr>
+          <p:cNvPr id="32" name="Gruppieren 1">
+            <a:extLst>
+              <a:ext uri="{FF2B5EF4-FFF2-40B4-BE49-F238E27FC236}">
+                <a16:creationId xmlns:a16="http://schemas.microsoft.com/office/drawing/2014/main" id="{BD4AED84-DCD3-7C4D-84DD-AA8D17B8ECF0}"/>
+              </a:ext>
+            </a:extLst>
+          </p:cNvPr>
+          <p:cNvGrpSpPr/>
+          <p:nvPr/>
+        </p:nvGrpSpPr>
+        <p:grpSpPr>
+          <a:xfrm>
+            <a:off x="9195093" y="3123066"/>
+            <a:ext cx="2018239" cy="1945841"/>
+            <a:chOff x="8610501" y="2281646"/>
+            <a:chExt cx="1470124" cy="1033683"/>
+          </a:xfrm>
+        </p:grpSpPr>
+        <p:grpSp>
+          <p:nvGrpSpPr>
+            <p:cNvPr id="33" name="Gruppieren 75">
+              <a:extLst>
+                <a:ext uri="{FF2B5EF4-FFF2-40B4-BE49-F238E27FC236}">
+                  <a16:creationId xmlns:a16="http://schemas.microsoft.com/office/drawing/2014/main" id="{385AA013-E09C-D14E-A97B-EEF1DA285BD9}"/>
+                </a:ext>
+              </a:extLst>
+            </p:cNvPr>
+            <p:cNvGrpSpPr/>
+            <p:nvPr/>
+          </p:nvGrpSpPr>
+          <p:grpSpPr>
+            <a:xfrm>
+              <a:off x="8737109" y="2281646"/>
+              <a:ext cx="1343516" cy="1033683"/>
+              <a:chOff x="8303833" y="5468420"/>
+              <a:chExt cx="1624914" cy="1250187"/>
+            </a:xfrm>
+          </p:grpSpPr>
+          <p:sp>
+            <p:nvSpPr>
+              <p:cNvPr id="36" name="Explosion: 8 Zacken 65">
+                <a:extLst>
+                  <a:ext uri="{FF2B5EF4-FFF2-40B4-BE49-F238E27FC236}">
+                    <a16:creationId xmlns:a16="http://schemas.microsoft.com/office/drawing/2014/main" id="{2B57DFE3-9820-AC41-B8F5-2F43B798AE85}"/>
+                  </a:ext>
+                </a:extLst>
+              </p:cNvPr>
+              <p:cNvSpPr/>
+              <p:nvPr/>
+            </p:nvSpPr>
+            <p:spPr>
+              <a:xfrm>
+                <a:off x="8303833" y="5902873"/>
+                <a:ext cx="733671" cy="570486"/>
+              </a:xfrm>
+              <a:prstGeom prst="irregularSeal1">
+                <a:avLst/>
+              </a:prstGeom>
+              <a:solidFill>
+                <a:srgbClr val="E20000"/>
+              </a:solidFill>
+              <a:ln>
+                <a:noFill/>
+              </a:ln>
+              <a:effectLst>
+                <a:outerShdw blurRad="50800" dist="38100" dir="2700000" algn="tl" rotWithShape="0">
+                  <a:prstClr val="black">
+                    <a:alpha val="40000"/>
+                  </a:prstClr>
+                </a:outerShdw>
+              </a:effectLst>
+            </p:spPr>
+            <p:style>
+              <a:lnRef idx="2">
+                <a:schemeClr val="accent1">
+                  <a:shade val="50000"/>
+                </a:schemeClr>
+              </a:lnRef>
+              <a:fillRef idx="1">
+                <a:schemeClr val="accent1"/>
+              </a:fillRef>
+              <a:effectRef idx="0">
+                <a:schemeClr val="accent1"/>
+              </a:effectRef>
+              <a:fontRef idx="minor">
+                <a:schemeClr val="lt1"/>
+              </a:fontRef>
+            </p:style>
+            <p:txBody>
+              <a:bodyPr rtlCol="0" anchor="ctr"/>
+              <a:lstStyle/>
+              <a:p>
+                <a:pPr algn="ctr"/>
+                <a:endParaRPr lang="en-GB" sz="1012">
+                  <a:solidFill>
+                    <a:srgbClr val="C00000"/>
+                  </a:solidFill>
+                </a:endParaRPr>
+              </a:p>
+            </p:txBody>
+          </p:sp>
+          <p:sp>
+            <p:nvSpPr>
+              <p:cNvPr id="37" name="Ellipse 66">
+                <a:extLst>
+                  <a:ext uri="{FF2B5EF4-FFF2-40B4-BE49-F238E27FC236}">
+                    <a16:creationId xmlns:a16="http://schemas.microsoft.com/office/drawing/2014/main" id="{25302462-8918-7741-B953-A5298E9A82B2}"/>
+                  </a:ext>
+                </a:extLst>
+              </p:cNvPr>
+              <p:cNvSpPr/>
+              <p:nvPr/>
+            </p:nvSpPr>
+            <p:spPr>
+              <a:xfrm>
+                <a:off x="8534190" y="6104026"/>
+                <a:ext cx="218365" cy="165235"/>
+              </a:xfrm>
+              <a:prstGeom prst="ellipse">
+                <a:avLst/>
+              </a:prstGeom>
+              <a:solidFill>
+                <a:srgbClr val="960000"/>
+              </a:solidFill>
+              <a:ln>
+                <a:noFill/>
+              </a:ln>
+            </p:spPr>
+            <p:style>
+              <a:lnRef idx="2">
+                <a:schemeClr val="accent1">
+                  <a:shade val="50000"/>
+                </a:schemeClr>
+              </a:lnRef>
+              <a:fillRef idx="1">
+                <a:schemeClr val="accent1"/>
+              </a:fillRef>
+              <a:effectRef idx="0">
+                <a:schemeClr val="accent1"/>
+              </a:effectRef>
+              <a:fontRef idx="minor">
+                <a:schemeClr val="lt1"/>
+              </a:fontRef>
+            </p:style>
+            <p:txBody>
+              <a:bodyPr rtlCol="0" anchor="ctr"/>
+              <a:lstStyle/>
+              <a:p>
+                <a:pPr algn="ctr"/>
+                <a:endParaRPr lang="en-GB" sz="1012">
+                  <a:solidFill>
+                    <a:srgbClr val="C00000"/>
+                  </a:solidFill>
+                </a:endParaRPr>
+              </a:p>
+            </p:txBody>
+          </p:sp>
+          <p:sp>
+            <p:nvSpPr>
+              <p:cNvPr id="38" name="Explosion: 8 Zacken 63">
+                <a:extLst>
+                  <a:ext uri="{FF2B5EF4-FFF2-40B4-BE49-F238E27FC236}">
+                    <a16:creationId xmlns:a16="http://schemas.microsoft.com/office/drawing/2014/main" id="{BCCC4255-F3CD-4D4F-AAF7-C808AD0C0125}"/>
+                  </a:ext>
+                </a:extLst>
+              </p:cNvPr>
+              <p:cNvSpPr/>
+              <p:nvPr/>
+            </p:nvSpPr>
+            <p:spPr>
+              <a:xfrm>
+                <a:off x="8949417" y="6055448"/>
+                <a:ext cx="733671" cy="570486"/>
+              </a:xfrm>
+              <a:prstGeom prst="irregularSeal1">
+                <a:avLst/>
+              </a:prstGeom>
+              <a:solidFill>
+                <a:srgbClr val="E20000"/>
+              </a:solidFill>
+              <a:ln>
+                <a:noFill/>
+              </a:ln>
+              <a:effectLst>
+                <a:outerShdw blurRad="50800" dist="38100" dir="2700000" algn="tl" rotWithShape="0">
+                  <a:prstClr val="black">
+                    <a:alpha val="40000"/>
+                  </a:prstClr>
+                </a:outerShdw>
+              </a:effectLst>
+            </p:spPr>
+            <p:style>
+              <a:lnRef idx="2">
+                <a:schemeClr val="accent1">
+                  <a:shade val="50000"/>
+                </a:schemeClr>
+              </a:lnRef>
+              <a:fillRef idx="1">
+                <a:schemeClr val="accent1"/>
+              </a:fillRef>
+              <a:effectRef idx="0">
+                <a:schemeClr val="accent1"/>
+              </a:effectRef>
+              <a:fontRef idx="minor">
+                <a:schemeClr val="lt1"/>
+              </a:fontRef>
+            </p:style>
+            <p:txBody>
+              <a:bodyPr rtlCol="0" anchor="ctr"/>
+              <a:lstStyle/>
+              <a:p>
+                <a:pPr algn="ctr"/>
+                <a:endParaRPr lang="en-GB" sz="1012">
+                  <a:solidFill>
+                    <a:srgbClr val="C00000"/>
+                  </a:solidFill>
+                </a:endParaRPr>
+              </a:p>
+            </p:txBody>
+          </p:sp>
+          <p:sp>
+            <p:nvSpPr>
+              <p:cNvPr id="39" name="Ellipse 64">
+                <a:extLst>
+                  <a:ext uri="{FF2B5EF4-FFF2-40B4-BE49-F238E27FC236}">
+                    <a16:creationId xmlns:a16="http://schemas.microsoft.com/office/drawing/2014/main" id="{3818D7AD-6781-9842-9594-80F591B3F2A7}"/>
+                  </a:ext>
+                </a:extLst>
+              </p:cNvPr>
+              <p:cNvSpPr/>
+              <p:nvPr/>
+            </p:nvSpPr>
+            <p:spPr>
+              <a:xfrm>
+                <a:off x="9207069" y="6269261"/>
+                <a:ext cx="218365" cy="165235"/>
+              </a:xfrm>
+              <a:prstGeom prst="ellipse">
+                <a:avLst/>
+              </a:prstGeom>
+              <a:solidFill>
+                <a:srgbClr val="960000"/>
+              </a:solidFill>
+              <a:ln>
+                <a:noFill/>
+              </a:ln>
+            </p:spPr>
+            <p:style>
+              <a:lnRef idx="2">
+                <a:schemeClr val="accent1">
+                  <a:shade val="50000"/>
+                </a:schemeClr>
+              </a:lnRef>
+              <a:fillRef idx="1">
+                <a:schemeClr val="accent1"/>
+              </a:fillRef>
+              <a:effectRef idx="0">
+                <a:schemeClr val="accent1"/>
+              </a:effectRef>
+              <a:fontRef idx="minor">
+                <a:schemeClr val="lt1"/>
+              </a:fontRef>
+            </p:style>
+            <p:txBody>
+              <a:bodyPr rtlCol="0" anchor="ctr"/>
+              <a:lstStyle/>
+              <a:p>
+                <a:pPr algn="ctr"/>
+                <a:endParaRPr lang="en-GB" sz="1012">
+                  <a:solidFill>
+                    <a:srgbClr val="C00000"/>
+                  </a:solidFill>
+                </a:endParaRPr>
+              </a:p>
+            </p:txBody>
+          </p:sp>
+          <p:sp>
+            <p:nvSpPr>
+              <p:cNvPr id="40" name="Explosion: 8 Zacken 55">
+                <a:extLst>
+                  <a:ext uri="{FF2B5EF4-FFF2-40B4-BE49-F238E27FC236}">
+                    <a16:creationId xmlns:a16="http://schemas.microsoft.com/office/drawing/2014/main" id="{15F0272A-73B5-3441-8909-4C006E2AD57E}"/>
+                  </a:ext>
+                </a:extLst>
+              </p:cNvPr>
+              <p:cNvSpPr/>
+              <p:nvPr/>
+            </p:nvSpPr>
+            <p:spPr>
+              <a:xfrm>
+                <a:off x="8655988" y="5515794"/>
+                <a:ext cx="733671" cy="570486"/>
+              </a:xfrm>
+              <a:prstGeom prst="irregularSeal1">
+                <a:avLst/>
+              </a:prstGeom>
+              <a:solidFill>
+                <a:srgbClr val="E20000"/>
+              </a:solidFill>
+              <a:ln>
+                <a:noFill/>
+              </a:ln>
+              <a:effectLst>
+                <a:outerShdw blurRad="50800" dist="38100" dir="2700000" algn="tl" rotWithShape="0">
+                  <a:prstClr val="black">
+                    <a:alpha val="40000"/>
+                  </a:prstClr>
+                </a:outerShdw>
+              </a:effectLst>
+            </p:spPr>
+            <p:style>
+              <a:lnRef idx="2">
+                <a:schemeClr val="accent1">
+                  <a:shade val="50000"/>
+                </a:schemeClr>
+              </a:lnRef>
+              <a:fillRef idx="1">
+                <a:schemeClr val="accent1"/>
+              </a:fillRef>
+              <a:effectRef idx="0">
+                <a:schemeClr val="accent1"/>
+              </a:effectRef>
+              <a:fontRef idx="minor">
+                <a:schemeClr val="lt1"/>
+              </a:fontRef>
+            </p:style>
+            <p:txBody>
+              <a:bodyPr rtlCol="0" anchor="ctr"/>
+              <a:lstStyle/>
+              <a:p>
+                <a:pPr algn="ctr"/>
+                <a:endParaRPr lang="en-GB" sz="1012">
+                  <a:solidFill>
+                    <a:srgbClr val="C00000"/>
+                  </a:solidFill>
+                </a:endParaRPr>
+              </a:p>
+            </p:txBody>
+          </p:sp>
+          <p:sp>
+            <p:nvSpPr>
+              <p:cNvPr id="41" name="Ellipse 56">
+                <a:extLst>
+                  <a:ext uri="{FF2B5EF4-FFF2-40B4-BE49-F238E27FC236}">
+                    <a16:creationId xmlns:a16="http://schemas.microsoft.com/office/drawing/2014/main" id="{5BA84C95-C558-714B-9412-EF26E34130D3}"/>
+                  </a:ext>
+                </a:extLst>
+              </p:cNvPr>
+              <p:cNvSpPr/>
+              <p:nvPr/>
+            </p:nvSpPr>
+            <p:spPr>
+              <a:xfrm>
+                <a:off x="8886345" y="5716947"/>
+                <a:ext cx="218365" cy="165235"/>
+              </a:xfrm>
+              <a:prstGeom prst="ellipse">
+                <a:avLst/>
+              </a:prstGeom>
+              <a:solidFill>
+                <a:srgbClr val="960000"/>
+              </a:solidFill>
+              <a:ln>
+                <a:noFill/>
+              </a:ln>
+            </p:spPr>
+            <p:style>
+              <a:lnRef idx="2">
+                <a:schemeClr val="accent1">
+                  <a:shade val="50000"/>
+                </a:schemeClr>
+              </a:lnRef>
+              <a:fillRef idx="1">
+                <a:schemeClr val="accent1"/>
+              </a:fillRef>
+              <a:effectRef idx="0">
+                <a:schemeClr val="accent1"/>
+              </a:effectRef>
+              <a:fontRef idx="minor">
+                <a:schemeClr val="lt1"/>
+              </a:fontRef>
+            </p:style>
+            <p:txBody>
+              <a:bodyPr rtlCol="0" anchor="ctr"/>
+              <a:lstStyle/>
+              <a:p>
+                <a:pPr algn="ctr"/>
+                <a:endParaRPr lang="en-GB" sz="1012">
+                  <a:solidFill>
+                    <a:srgbClr val="C00000"/>
+                  </a:solidFill>
+                </a:endParaRPr>
+              </a:p>
+            </p:txBody>
+          </p:sp>
+          <p:sp>
+            <p:nvSpPr>
+              <p:cNvPr id="42" name="Explosion: 8 Zacken 57">
+                <a:extLst>
+                  <a:ext uri="{FF2B5EF4-FFF2-40B4-BE49-F238E27FC236}">
+                    <a16:creationId xmlns:a16="http://schemas.microsoft.com/office/drawing/2014/main" id="{6A098FD6-6D46-204E-AE9B-28A9CEF7E27F}"/>
+                  </a:ext>
+                </a:extLst>
+              </p:cNvPr>
+              <p:cNvSpPr/>
+              <p:nvPr/>
+            </p:nvSpPr>
+            <p:spPr>
+              <a:xfrm>
+                <a:off x="8699204" y="5804673"/>
+                <a:ext cx="733671" cy="570486"/>
+              </a:xfrm>
+              <a:prstGeom prst="irregularSeal1">
+                <a:avLst/>
+              </a:prstGeom>
+              <a:solidFill>
+                <a:srgbClr val="E20000"/>
+              </a:solidFill>
+              <a:ln>
+                <a:noFill/>
+              </a:ln>
+              <a:effectLst>
+                <a:outerShdw blurRad="50800" dist="38100" dir="2700000" algn="tl" rotWithShape="0">
+                  <a:prstClr val="black">
+                    <a:alpha val="40000"/>
+                  </a:prstClr>
+                </a:outerShdw>
+              </a:effectLst>
+            </p:spPr>
+            <p:style>
+              <a:lnRef idx="2">
+                <a:schemeClr val="accent1">
+                  <a:shade val="50000"/>
+                </a:schemeClr>
+              </a:lnRef>
+              <a:fillRef idx="1">
+                <a:schemeClr val="accent1"/>
+              </a:fillRef>
+              <a:effectRef idx="0">
+                <a:schemeClr val="accent1"/>
+              </a:effectRef>
+              <a:fontRef idx="minor">
+                <a:schemeClr val="lt1"/>
+              </a:fontRef>
+            </p:style>
+            <p:txBody>
+              <a:bodyPr rtlCol="0" anchor="ctr"/>
+              <a:lstStyle/>
+              <a:p>
+                <a:pPr algn="ctr"/>
+                <a:endParaRPr lang="en-GB" sz="1012">
+                  <a:solidFill>
+                    <a:srgbClr val="C00000"/>
+                  </a:solidFill>
+                </a:endParaRPr>
+              </a:p>
+            </p:txBody>
+          </p:sp>
+          <p:sp>
+            <p:nvSpPr>
+              <p:cNvPr id="43" name="Ellipse 58">
+                <a:extLst>
+                  <a:ext uri="{FF2B5EF4-FFF2-40B4-BE49-F238E27FC236}">
+                    <a16:creationId xmlns:a16="http://schemas.microsoft.com/office/drawing/2014/main" id="{350A60E2-29BF-844D-9423-E1B65D29D955}"/>
+                  </a:ext>
+                </a:extLst>
+              </p:cNvPr>
+              <p:cNvSpPr/>
+              <p:nvPr/>
+            </p:nvSpPr>
+            <p:spPr>
+              <a:xfrm>
+                <a:off x="8929561" y="6005826"/>
+                <a:ext cx="218365" cy="165235"/>
+              </a:xfrm>
+              <a:prstGeom prst="ellipse">
+                <a:avLst/>
+              </a:prstGeom>
+              <a:solidFill>
+                <a:srgbClr val="960000"/>
+              </a:solidFill>
+              <a:ln>
+                <a:noFill/>
+              </a:ln>
+            </p:spPr>
+            <p:style>
+              <a:lnRef idx="2">
+                <a:schemeClr val="accent1">
+                  <a:shade val="50000"/>
+                </a:schemeClr>
+              </a:lnRef>
+              <a:fillRef idx="1">
+                <a:schemeClr val="accent1"/>
+              </a:fillRef>
+              <a:effectRef idx="0">
+                <a:schemeClr val="accent1"/>
+              </a:effectRef>
+              <a:fontRef idx="minor">
+                <a:schemeClr val="lt1"/>
+              </a:fontRef>
+            </p:style>
+            <p:txBody>
+              <a:bodyPr rtlCol="0" anchor="ctr"/>
+              <a:lstStyle/>
+              <a:p>
+                <a:pPr algn="ctr"/>
+                <a:endParaRPr lang="en-GB" sz="1012">
+                  <a:solidFill>
+                    <a:srgbClr val="C00000"/>
+                  </a:solidFill>
+                </a:endParaRPr>
+              </a:p>
+            </p:txBody>
+          </p:sp>
+          <p:sp>
+            <p:nvSpPr>
+              <p:cNvPr id="44" name="Explosion: 8 Zacken 59">
+                <a:extLst>
+                  <a:ext uri="{FF2B5EF4-FFF2-40B4-BE49-F238E27FC236}">
+                    <a16:creationId xmlns:a16="http://schemas.microsoft.com/office/drawing/2014/main" id="{99607152-E8B4-0742-A222-F843F2DB6FF5}"/>
+                  </a:ext>
+                </a:extLst>
+              </p:cNvPr>
+              <p:cNvSpPr/>
+              <p:nvPr/>
+            </p:nvSpPr>
+            <p:spPr>
+              <a:xfrm>
+                <a:off x="9179154" y="5834808"/>
+                <a:ext cx="733671" cy="570486"/>
+              </a:xfrm>
+              <a:prstGeom prst="irregularSeal1">
+                <a:avLst/>
+              </a:prstGeom>
+              <a:solidFill>
+                <a:srgbClr val="E20000"/>
+              </a:solidFill>
+              <a:ln>
+                <a:noFill/>
+              </a:ln>
+              <a:effectLst>
+                <a:outerShdw blurRad="50800" dist="38100" dir="2700000" algn="tl" rotWithShape="0">
+                  <a:prstClr val="black">
+                    <a:alpha val="40000"/>
+                  </a:prstClr>
+                </a:outerShdw>
+              </a:effectLst>
+            </p:spPr>
+            <p:style>
+              <a:lnRef idx="2">
+                <a:schemeClr val="accent1">
+                  <a:shade val="50000"/>
+                </a:schemeClr>
+              </a:lnRef>
+              <a:fillRef idx="1">
+                <a:schemeClr val="accent1"/>
+              </a:fillRef>
+              <a:effectRef idx="0">
+                <a:schemeClr val="accent1"/>
+              </a:effectRef>
+              <a:fontRef idx="minor">
+                <a:schemeClr val="lt1"/>
+              </a:fontRef>
+            </p:style>
+            <p:txBody>
+              <a:bodyPr rtlCol="0" anchor="ctr"/>
+              <a:lstStyle/>
+              <a:p>
+                <a:pPr algn="ctr"/>
+                <a:endParaRPr lang="en-GB" sz="1012">
+                  <a:solidFill>
+                    <a:srgbClr val="C00000"/>
+                  </a:solidFill>
+                </a:endParaRPr>
+              </a:p>
+            </p:txBody>
+          </p:sp>
+          <p:sp>
+            <p:nvSpPr>
+              <p:cNvPr id="45" name="Ellipse 60">
+                <a:extLst>
+                  <a:ext uri="{FF2B5EF4-FFF2-40B4-BE49-F238E27FC236}">
+                    <a16:creationId xmlns:a16="http://schemas.microsoft.com/office/drawing/2014/main" id="{BFB7F338-E6C0-1A41-B788-927AB765C740}"/>
+                  </a:ext>
+                </a:extLst>
+              </p:cNvPr>
+              <p:cNvSpPr/>
+              <p:nvPr/>
+            </p:nvSpPr>
+            <p:spPr>
+              <a:xfrm>
+                <a:off x="9436806" y="6048621"/>
+                <a:ext cx="218365" cy="165235"/>
+              </a:xfrm>
+              <a:prstGeom prst="ellipse">
+                <a:avLst/>
+              </a:prstGeom>
+              <a:solidFill>
+                <a:srgbClr val="960000"/>
+              </a:solidFill>
+              <a:ln>
+                <a:noFill/>
+              </a:ln>
+            </p:spPr>
+            <p:style>
+              <a:lnRef idx="2">
+                <a:schemeClr val="accent1">
+                  <a:shade val="50000"/>
+                </a:schemeClr>
+              </a:lnRef>
+              <a:fillRef idx="1">
+                <a:schemeClr val="accent1"/>
+              </a:fillRef>
+              <a:effectRef idx="0">
+                <a:schemeClr val="accent1"/>
+              </a:effectRef>
+              <a:fontRef idx="minor">
+                <a:schemeClr val="lt1"/>
+              </a:fontRef>
+            </p:style>
+            <p:txBody>
+              <a:bodyPr rtlCol="0" anchor="ctr"/>
+              <a:lstStyle/>
+              <a:p>
+                <a:pPr algn="ctr"/>
+                <a:endParaRPr lang="en-GB" sz="1012">
+                  <a:solidFill>
+                    <a:srgbClr val="C00000"/>
+                  </a:solidFill>
+                </a:endParaRPr>
+              </a:p>
+            </p:txBody>
+          </p:sp>
+          <p:sp>
+            <p:nvSpPr>
+              <p:cNvPr id="46" name="Explosion: 8 Zacken 61">
+                <a:extLst>
+                  <a:ext uri="{FF2B5EF4-FFF2-40B4-BE49-F238E27FC236}">
+                    <a16:creationId xmlns:a16="http://schemas.microsoft.com/office/drawing/2014/main" id="{471CD7F2-42B9-E742-8966-74E7CB49FAC0}"/>
+                  </a:ext>
+                </a:extLst>
+              </p:cNvPr>
+              <p:cNvSpPr/>
+              <p:nvPr/>
+            </p:nvSpPr>
+            <p:spPr>
+              <a:xfrm>
+                <a:off x="9195076" y="5468420"/>
+                <a:ext cx="733671" cy="570486"/>
+              </a:xfrm>
+              <a:prstGeom prst="irregularSeal1">
+                <a:avLst/>
+              </a:prstGeom>
+              <a:solidFill>
+                <a:srgbClr val="E20000"/>
+              </a:solidFill>
+              <a:ln>
+                <a:noFill/>
+              </a:ln>
+              <a:effectLst>
+                <a:outerShdw blurRad="50800" dist="38100" dir="2700000" algn="tl" rotWithShape="0">
+                  <a:prstClr val="black">
+                    <a:alpha val="40000"/>
+                  </a:prstClr>
+                </a:outerShdw>
+              </a:effectLst>
+            </p:spPr>
+            <p:style>
+              <a:lnRef idx="2">
+                <a:schemeClr val="accent1">
+                  <a:shade val="50000"/>
+                </a:schemeClr>
+              </a:lnRef>
+              <a:fillRef idx="1">
+                <a:schemeClr val="accent1"/>
+              </a:fillRef>
+              <a:effectRef idx="0">
+                <a:schemeClr val="accent1"/>
+              </a:effectRef>
+              <a:fontRef idx="minor">
+                <a:schemeClr val="lt1"/>
+              </a:fontRef>
+            </p:style>
+            <p:txBody>
+              <a:bodyPr rtlCol="0" anchor="ctr"/>
+              <a:lstStyle/>
+              <a:p>
+                <a:pPr algn="ctr"/>
+                <a:endParaRPr lang="en-GB" sz="1012">
+                  <a:solidFill>
+                    <a:srgbClr val="C00000"/>
+                  </a:solidFill>
+                </a:endParaRPr>
+              </a:p>
+            </p:txBody>
+          </p:sp>
+          <p:sp>
+            <p:nvSpPr>
+              <p:cNvPr id="47" name="Ellipse 62">
+                <a:extLst>
+                  <a:ext uri="{FF2B5EF4-FFF2-40B4-BE49-F238E27FC236}">
+                    <a16:creationId xmlns:a16="http://schemas.microsoft.com/office/drawing/2014/main" id="{0909D47F-E29F-3E41-95E4-17BD783E48BC}"/>
+                  </a:ext>
+                </a:extLst>
+              </p:cNvPr>
+              <p:cNvSpPr/>
+              <p:nvPr/>
+            </p:nvSpPr>
+            <p:spPr>
+              <a:xfrm>
+                <a:off x="9425433" y="5669573"/>
+                <a:ext cx="218365" cy="165235"/>
+              </a:xfrm>
+              <a:prstGeom prst="ellipse">
+                <a:avLst/>
+              </a:prstGeom>
+              <a:solidFill>
+                <a:srgbClr val="960000"/>
+              </a:solidFill>
+              <a:ln>
+                <a:noFill/>
+              </a:ln>
+            </p:spPr>
+            <p:style>
+              <a:lnRef idx="2">
+                <a:schemeClr val="accent1">
+                  <a:shade val="50000"/>
+                </a:schemeClr>
+              </a:lnRef>
+              <a:fillRef idx="1">
+                <a:schemeClr val="accent1"/>
+              </a:fillRef>
+              <a:effectRef idx="0">
+                <a:schemeClr val="accent1"/>
+              </a:effectRef>
+              <a:fontRef idx="minor">
+                <a:schemeClr val="lt1"/>
+              </a:fontRef>
+            </p:style>
+            <p:txBody>
+              <a:bodyPr rtlCol="0" anchor="ctr"/>
+              <a:lstStyle/>
+              <a:p>
+                <a:pPr algn="ctr"/>
+                <a:endParaRPr lang="en-GB" sz="1012">
+                  <a:solidFill>
+                    <a:srgbClr val="C00000"/>
+                  </a:solidFill>
+                </a:endParaRPr>
+              </a:p>
+            </p:txBody>
+          </p:sp>
+          <p:sp>
+            <p:nvSpPr>
+              <p:cNvPr id="48" name="Explosion: 8 Zacken 67">
+                <a:extLst>
+                  <a:ext uri="{FF2B5EF4-FFF2-40B4-BE49-F238E27FC236}">
+                    <a16:creationId xmlns:a16="http://schemas.microsoft.com/office/drawing/2014/main" id="{CCF20D8D-DD28-6C4E-8E66-B6CEC3523BFB}"/>
+                  </a:ext>
+                </a:extLst>
+              </p:cNvPr>
+              <p:cNvSpPr/>
+              <p:nvPr/>
+            </p:nvSpPr>
+            <p:spPr>
+              <a:xfrm>
+                <a:off x="8552393" y="6148121"/>
+                <a:ext cx="733671" cy="570486"/>
+              </a:xfrm>
+              <a:prstGeom prst="irregularSeal1">
+                <a:avLst/>
+              </a:prstGeom>
+              <a:solidFill>
+                <a:srgbClr val="E20000"/>
+              </a:solidFill>
+              <a:ln>
+                <a:noFill/>
+              </a:ln>
+              <a:effectLst>
+                <a:outerShdw blurRad="50800" dist="38100" dir="2700000" algn="tl" rotWithShape="0">
+                  <a:prstClr val="black">
+                    <a:alpha val="40000"/>
+                  </a:prstClr>
+                </a:outerShdw>
+              </a:effectLst>
+            </p:spPr>
+            <p:style>
+              <a:lnRef idx="2">
+                <a:schemeClr val="accent1">
+                  <a:shade val="50000"/>
+                </a:schemeClr>
+              </a:lnRef>
+              <a:fillRef idx="1">
+                <a:schemeClr val="accent1"/>
+              </a:fillRef>
+              <a:effectRef idx="0">
+                <a:schemeClr val="accent1"/>
+              </a:effectRef>
+              <a:fontRef idx="minor">
+                <a:schemeClr val="lt1"/>
+              </a:fontRef>
+            </p:style>
+            <p:txBody>
+              <a:bodyPr rtlCol="0" anchor="ctr"/>
+              <a:lstStyle/>
+              <a:p>
+                <a:pPr algn="ctr"/>
+                <a:endParaRPr lang="en-GB" sz="1012">
+                  <a:solidFill>
+                    <a:srgbClr val="C00000"/>
+                  </a:solidFill>
+                </a:endParaRPr>
+              </a:p>
+            </p:txBody>
+          </p:sp>
+          <p:sp>
+            <p:nvSpPr>
+              <p:cNvPr id="49" name="Ellipse 68">
+                <a:extLst>
+                  <a:ext uri="{FF2B5EF4-FFF2-40B4-BE49-F238E27FC236}">
+                    <a16:creationId xmlns:a16="http://schemas.microsoft.com/office/drawing/2014/main" id="{7847C86C-C45C-5448-B8FF-1D99DA0FDD03}"/>
+                  </a:ext>
+                </a:extLst>
+              </p:cNvPr>
+              <p:cNvSpPr/>
+              <p:nvPr/>
+            </p:nvSpPr>
+            <p:spPr>
+              <a:xfrm>
+                <a:off x="8782750" y="6349274"/>
+                <a:ext cx="218365" cy="165235"/>
+              </a:xfrm>
+              <a:prstGeom prst="ellipse">
+                <a:avLst/>
+              </a:prstGeom>
+              <a:solidFill>
+                <a:srgbClr val="960000"/>
+              </a:solidFill>
+              <a:ln>
+                <a:noFill/>
+              </a:ln>
+            </p:spPr>
+            <p:style>
+              <a:lnRef idx="2">
+                <a:schemeClr val="accent1">
+                  <a:shade val="50000"/>
+                </a:schemeClr>
+              </a:lnRef>
+              <a:fillRef idx="1">
+                <a:schemeClr val="accent1"/>
+              </a:fillRef>
+              <a:effectRef idx="0">
+                <a:schemeClr val="accent1"/>
+              </a:effectRef>
+              <a:fontRef idx="minor">
+                <a:schemeClr val="lt1"/>
+              </a:fontRef>
+            </p:style>
+            <p:txBody>
+              <a:bodyPr rtlCol="0" anchor="ctr"/>
+              <a:lstStyle/>
+              <a:p>
+                <a:pPr algn="ctr"/>
+                <a:endParaRPr lang="en-GB" sz="1012">
+                  <a:solidFill>
+                    <a:srgbClr val="C00000"/>
+                  </a:solidFill>
+                </a:endParaRPr>
+              </a:p>
+            </p:txBody>
+          </p:sp>
+        </p:grpSp>
+        <p:sp>
+          <p:nvSpPr>
+            <p:cNvPr id="34" name="Explosion: 8 Zacken 88">
+              <a:extLst>
+                <a:ext uri="{FF2B5EF4-FFF2-40B4-BE49-F238E27FC236}">
+                  <a16:creationId xmlns:a16="http://schemas.microsoft.com/office/drawing/2014/main" id="{DBF50254-1BFB-0F4F-A7E5-9DBA15BD4D76}"/>
+                </a:ext>
+              </a:extLst>
+            </p:cNvPr>
+            <p:cNvSpPr/>
+            <p:nvPr/>
+          </p:nvSpPr>
+          <p:spPr>
+            <a:xfrm>
+              <a:off x="8610501" y="2372530"/>
+              <a:ext cx="606616" cy="471691"/>
+            </a:xfrm>
+            <a:prstGeom prst="irregularSeal1">
+              <a:avLst/>
+            </a:prstGeom>
+            <a:solidFill>
+              <a:srgbClr val="E20000"/>
+            </a:solidFill>
+            <a:ln>
+              <a:noFill/>
+            </a:ln>
+            <a:effectLst>
+              <a:outerShdw blurRad="50800" dist="38100" dir="2700000" algn="tl" rotWithShape="0">
+                <a:prstClr val="black">
+                  <a:alpha val="40000"/>
+                </a:prstClr>
+              </a:outerShdw>
+            </a:effectLst>
+          </p:spPr>
+          <p:style>
+            <a:lnRef idx="2">
+              <a:schemeClr val="accent1">
+                <a:shade val="50000"/>
+              </a:schemeClr>
+            </a:lnRef>
+            <a:fillRef idx="1">
+              <a:schemeClr val="accent1"/>
+            </a:fillRef>
+            <a:effectRef idx="0">
+              <a:schemeClr val="accent1"/>
+            </a:effectRef>
+            <a:fontRef idx="minor">
+              <a:schemeClr val="lt1"/>
+            </a:fontRef>
+          </p:style>
+          <p:txBody>
+            <a:bodyPr rtlCol="0" anchor="ctr"/>
+            <a:lstStyle/>
+            <a:p>
+              <a:pPr algn="ctr"/>
+              <a:endParaRPr lang="en-GB" sz="1012">
+                <a:solidFill>
+                  <a:srgbClr val="C00000"/>
+                </a:solidFill>
+              </a:endParaRPr>
+            </a:p>
+          </p:txBody>
+        </p:sp>
+        <p:sp>
+          <p:nvSpPr>
+            <p:cNvPr id="35" name="Ellipse 89">
+              <a:extLst>
+                <a:ext uri="{FF2B5EF4-FFF2-40B4-BE49-F238E27FC236}">
+                  <a16:creationId xmlns:a16="http://schemas.microsoft.com/office/drawing/2014/main" id="{3AD5D100-32D1-3946-B33E-36150F5EE3D0}"/>
+                </a:ext>
+              </a:extLst>
+            </p:cNvPr>
+            <p:cNvSpPr/>
+            <p:nvPr/>
+          </p:nvSpPr>
+          <p:spPr>
+            <a:xfrm>
+              <a:off x="8800966" y="2538849"/>
+              <a:ext cx="180549" cy="136620"/>
+            </a:xfrm>
+            <a:prstGeom prst="ellipse">
+              <a:avLst/>
+            </a:prstGeom>
+            <a:solidFill>
+              <a:srgbClr val="960000"/>
+            </a:solidFill>
+            <a:ln>
+              <a:noFill/>
+            </a:ln>
+          </p:spPr>
+          <p:style>
+            <a:lnRef idx="2">
+              <a:schemeClr val="accent1">
+                <a:shade val="50000"/>
+              </a:schemeClr>
+            </a:lnRef>
+            <a:fillRef idx="1">
+              <a:schemeClr val="accent1"/>
+            </a:fillRef>
+            <a:effectRef idx="0">
+              <a:schemeClr val="accent1"/>
+            </a:effectRef>
+            <a:fontRef idx="minor">
+              <a:schemeClr val="lt1"/>
+            </a:fontRef>
+          </p:style>
+          <p:txBody>
+            <a:bodyPr rtlCol="0" anchor="ctr"/>
+            <a:lstStyle/>
+            <a:p>
+              <a:pPr algn="ctr"/>
+              <a:endParaRPr lang="en-GB" sz="1012">
+                <a:solidFill>
+                  <a:srgbClr val="C00000"/>
+                </a:solidFill>
+              </a:endParaRPr>
+            </a:p>
+          </p:txBody>
+        </p:sp>
+      </p:grpSp>
+      <p:grpSp>
+        <p:nvGrpSpPr>
+          <p:cNvPr id="50" name="Gruppieren 1">
+            <a:extLst>
+              <a:ext uri="{FF2B5EF4-FFF2-40B4-BE49-F238E27FC236}">
+                <a16:creationId xmlns:a16="http://schemas.microsoft.com/office/drawing/2014/main" id="{CA9FD0BD-DD74-3147-A9B5-F6A9C2AC70FA}"/>
+              </a:ext>
+            </a:extLst>
+          </p:cNvPr>
+          <p:cNvGrpSpPr/>
+          <p:nvPr/>
+        </p:nvGrpSpPr>
+        <p:grpSpPr>
+          <a:xfrm>
+            <a:off x="9303306" y="1854678"/>
+            <a:ext cx="2018239" cy="1945841"/>
+            <a:chOff x="8610501" y="2281646"/>
+            <a:chExt cx="1470124" cy="1033683"/>
+          </a:xfrm>
+        </p:grpSpPr>
+        <p:grpSp>
+          <p:nvGrpSpPr>
+            <p:cNvPr id="51" name="Gruppieren 75">
+              <a:extLst>
+                <a:ext uri="{FF2B5EF4-FFF2-40B4-BE49-F238E27FC236}">
+                  <a16:creationId xmlns:a16="http://schemas.microsoft.com/office/drawing/2014/main" id="{B1A4FD08-B48B-A04C-B408-50DC29A423CE}"/>
+                </a:ext>
+              </a:extLst>
+            </p:cNvPr>
+            <p:cNvGrpSpPr/>
+            <p:nvPr/>
+          </p:nvGrpSpPr>
+          <p:grpSpPr>
+            <a:xfrm>
+              <a:off x="8737109" y="2281646"/>
+              <a:ext cx="1343516" cy="1033683"/>
+              <a:chOff x="8303833" y="5468420"/>
+              <a:chExt cx="1624914" cy="1250187"/>
+            </a:xfrm>
+          </p:grpSpPr>
+          <p:sp>
+            <p:nvSpPr>
+              <p:cNvPr id="54" name="Explosion: 8 Zacken 65">
+                <a:extLst>
+                  <a:ext uri="{FF2B5EF4-FFF2-40B4-BE49-F238E27FC236}">
+                    <a16:creationId xmlns:a16="http://schemas.microsoft.com/office/drawing/2014/main" id="{CFA10AF5-1371-494D-8B2E-CD773378AEB4}"/>
+                  </a:ext>
+                </a:extLst>
+              </p:cNvPr>
+              <p:cNvSpPr/>
+              <p:nvPr/>
+            </p:nvSpPr>
+            <p:spPr>
+              <a:xfrm>
+                <a:off x="8303833" y="5902873"/>
+                <a:ext cx="733671" cy="570486"/>
+              </a:xfrm>
+              <a:prstGeom prst="irregularSeal1">
+                <a:avLst/>
+              </a:prstGeom>
+              <a:solidFill>
+                <a:srgbClr val="E20000"/>
+              </a:solidFill>
+              <a:ln>
+                <a:noFill/>
+              </a:ln>
+              <a:effectLst>
+                <a:outerShdw blurRad="50800" dist="38100" dir="2700000" algn="tl" rotWithShape="0">
+                  <a:prstClr val="black">
+                    <a:alpha val="40000"/>
+                  </a:prstClr>
+                </a:outerShdw>
+              </a:effectLst>
+            </p:spPr>
+            <p:style>
+              <a:lnRef idx="2">
+                <a:schemeClr val="accent1">
+                  <a:shade val="50000"/>
+                </a:schemeClr>
+              </a:lnRef>
+              <a:fillRef idx="1">
+                <a:schemeClr val="accent1"/>
+              </a:fillRef>
+              <a:effectRef idx="0">
+                <a:schemeClr val="accent1"/>
+              </a:effectRef>
+              <a:fontRef idx="minor">
+                <a:schemeClr val="lt1"/>
+              </a:fontRef>
+            </p:style>
+            <p:txBody>
+              <a:bodyPr rtlCol="0" anchor="ctr"/>
+              <a:lstStyle/>
+              <a:p>
+                <a:pPr algn="ctr"/>
+                <a:endParaRPr lang="en-GB" sz="1012">
+                  <a:solidFill>
+                    <a:srgbClr val="C00000"/>
+                  </a:solidFill>
+                </a:endParaRPr>
+              </a:p>
+            </p:txBody>
+          </p:sp>
+          <p:sp>
+            <p:nvSpPr>
+              <p:cNvPr id="55" name="Ellipse 66">
+                <a:extLst>
+                  <a:ext uri="{FF2B5EF4-FFF2-40B4-BE49-F238E27FC236}">
+                    <a16:creationId xmlns:a16="http://schemas.microsoft.com/office/drawing/2014/main" id="{05268284-063E-8344-A57F-9C0FA811184B}"/>
+                  </a:ext>
+                </a:extLst>
+              </p:cNvPr>
+              <p:cNvSpPr/>
+              <p:nvPr/>
+            </p:nvSpPr>
+            <p:spPr>
+              <a:xfrm>
+                <a:off x="8534190" y="6104026"/>
+                <a:ext cx="218365" cy="165235"/>
+              </a:xfrm>
+              <a:prstGeom prst="ellipse">
+                <a:avLst/>
+              </a:prstGeom>
+              <a:solidFill>
+                <a:srgbClr val="960000"/>
+              </a:solidFill>
+              <a:ln>
+                <a:noFill/>
+              </a:ln>
+            </p:spPr>
+            <p:style>
+              <a:lnRef idx="2">
+                <a:schemeClr val="accent1">
+                  <a:shade val="50000"/>
+                </a:schemeClr>
+              </a:lnRef>
+              <a:fillRef idx="1">
+                <a:schemeClr val="accent1"/>
+              </a:fillRef>
+              <a:effectRef idx="0">
+                <a:schemeClr val="accent1"/>
+              </a:effectRef>
+              <a:fontRef idx="minor">
+                <a:schemeClr val="lt1"/>
+              </a:fontRef>
+            </p:style>
+            <p:txBody>
+              <a:bodyPr rtlCol="0" anchor="ctr"/>
+              <a:lstStyle/>
+              <a:p>
+                <a:pPr algn="ctr"/>
+                <a:endParaRPr lang="en-GB" sz="1012">
+                  <a:solidFill>
+                    <a:srgbClr val="C00000"/>
+                  </a:solidFill>
+                </a:endParaRPr>
+              </a:p>
+            </p:txBody>
+          </p:sp>
+          <p:sp>
+            <p:nvSpPr>
+              <p:cNvPr id="56" name="Explosion: 8 Zacken 63">
+                <a:extLst>
+                  <a:ext uri="{FF2B5EF4-FFF2-40B4-BE49-F238E27FC236}">
+                    <a16:creationId xmlns:a16="http://schemas.microsoft.com/office/drawing/2014/main" id="{E7A5F800-B717-AA42-88E0-D751A49340B6}"/>
+                  </a:ext>
+                </a:extLst>
+              </p:cNvPr>
+              <p:cNvSpPr/>
+              <p:nvPr/>
+            </p:nvSpPr>
+            <p:spPr>
+              <a:xfrm>
+                <a:off x="8949417" y="6055448"/>
+                <a:ext cx="733671" cy="570486"/>
+              </a:xfrm>
+              <a:prstGeom prst="irregularSeal1">
+                <a:avLst/>
+              </a:prstGeom>
+              <a:solidFill>
+                <a:srgbClr val="E20000"/>
+              </a:solidFill>
+              <a:ln>
+                <a:noFill/>
+              </a:ln>
+              <a:effectLst>
+                <a:outerShdw blurRad="50800" dist="38100" dir="2700000" algn="tl" rotWithShape="0">
+                  <a:prstClr val="black">
+                    <a:alpha val="40000"/>
+                  </a:prstClr>
+                </a:outerShdw>
+              </a:effectLst>
+            </p:spPr>
+            <p:style>
+              <a:lnRef idx="2">
+                <a:schemeClr val="accent1">
+                  <a:shade val="50000"/>
+                </a:schemeClr>
+              </a:lnRef>
+              <a:fillRef idx="1">
+                <a:schemeClr val="accent1"/>
+              </a:fillRef>
+              <a:effectRef idx="0">
+                <a:schemeClr val="accent1"/>
+              </a:effectRef>
+              <a:fontRef idx="minor">
+                <a:schemeClr val="lt1"/>
+              </a:fontRef>
+            </p:style>
+            <p:txBody>
+              <a:bodyPr rtlCol="0" anchor="ctr"/>
+              <a:lstStyle/>
+              <a:p>
+                <a:pPr algn="ctr"/>
+                <a:endParaRPr lang="en-GB" sz="1012">
+                  <a:solidFill>
+                    <a:srgbClr val="C00000"/>
+                  </a:solidFill>
+                </a:endParaRPr>
+              </a:p>
+            </p:txBody>
+          </p:sp>
+          <p:sp>
+            <p:nvSpPr>
+              <p:cNvPr id="57" name="Ellipse 64">
+                <a:extLst>
+                  <a:ext uri="{FF2B5EF4-FFF2-40B4-BE49-F238E27FC236}">
+                    <a16:creationId xmlns:a16="http://schemas.microsoft.com/office/drawing/2014/main" id="{25267870-E4B2-C340-A6F5-15A876CFA2E4}"/>
+                  </a:ext>
+                </a:extLst>
+              </p:cNvPr>
+              <p:cNvSpPr/>
+              <p:nvPr/>
+            </p:nvSpPr>
+            <p:spPr>
+              <a:xfrm>
+                <a:off x="9207069" y="6269261"/>
+                <a:ext cx="218365" cy="165235"/>
+              </a:xfrm>
+              <a:prstGeom prst="ellipse">
+                <a:avLst/>
+              </a:prstGeom>
+              <a:solidFill>
+                <a:srgbClr val="960000"/>
+              </a:solidFill>
+              <a:ln>
+                <a:noFill/>
+              </a:ln>
+            </p:spPr>
+            <p:style>
+              <a:lnRef idx="2">
+                <a:schemeClr val="accent1">
+                  <a:shade val="50000"/>
+                </a:schemeClr>
+              </a:lnRef>
+              <a:fillRef idx="1">
+                <a:schemeClr val="accent1"/>
+              </a:fillRef>
+              <a:effectRef idx="0">
+                <a:schemeClr val="accent1"/>
+              </a:effectRef>
+              <a:fontRef idx="minor">
+                <a:schemeClr val="lt1"/>
+              </a:fontRef>
+            </p:style>
+            <p:txBody>
+              <a:bodyPr rtlCol="0" anchor="ctr"/>
+              <a:lstStyle/>
+              <a:p>
+                <a:pPr algn="ctr"/>
+                <a:endParaRPr lang="en-GB" sz="1012">
+                  <a:solidFill>
+                    <a:srgbClr val="C00000"/>
+                  </a:solidFill>
+                </a:endParaRPr>
+              </a:p>
+            </p:txBody>
+          </p:sp>
+          <p:sp>
+            <p:nvSpPr>
+              <p:cNvPr id="58" name="Explosion: 8 Zacken 55">
+                <a:extLst>
+                  <a:ext uri="{FF2B5EF4-FFF2-40B4-BE49-F238E27FC236}">
+                    <a16:creationId xmlns:a16="http://schemas.microsoft.com/office/drawing/2014/main" id="{D05F15AC-E697-4F49-AF5F-A358970181D5}"/>
+                  </a:ext>
+                </a:extLst>
+              </p:cNvPr>
+              <p:cNvSpPr/>
+              <p:nvPr/>
+            </p:nvSpPr>
+            <p:spPr>
+              <a:xfrm>
+                <a:off x="8655988" y="5515794"/>
+                <a:ext cx="733671" cy="570486"/>
+              </a:xfrm>
+              <a:prstGeom prst="irregularSeal1">
+                <a:avLst/>
+              </a:prstGeom>
+              <a:solidFill>
+                <a:srgbClr val="E20000"/>
+              </a:solidFill>
+              <a:ln>
+                <a:noFill/>
+              </a:ln>
+              <a:effectLst>
+                <a:outerShdw blurRad="50800" dist="38100" dir="2700000" algn="tl" rotWithShape="0">
+                  <a:prstClr val="black">
+                    <a:alpha val="40000"/>
+                  </a:prstClr>
+                </a:outerShdw>
+              </a:effectLst>
+            </p:spPr>
+            <p:style>
+              <a:lnRef idx="2">
+                <a:schemeClr val="accent1">
+                  <a:shade val="50000"/>
+                </a:schemeClr>
+              </a:lnRef>
+              <a:fillRef idx="1">
+                <a:schemeClr val="accent1"/>
+              </a:fillRef>
+              <a:effectRef idx="0">
+                <a:schemeClr val="accent1"/>
+              </a:effectRef>
+              <a:fontRef idx="minor">
+                <a:schemeClr val="lt1"/>
+              </a:fontRef>
+            </p:style>
+            <p:txBody>
+              <a:bodyPr rtlCol="0" anchor="ctr"/>
+              <a:lstStyle/>
+              <a:p>
+                <a:pPr algn="ctr"/>
+                <a:endParaRPr lang="en-GB" sz="1012">
+                  <a:solidFill>
+                    <a:srgbClr val="C00000"/>
+                  </a:solidFill>
+                </a:endParaRPr>
+              </a:p>
+            </p:txBody>
+          </p:sp>
+          <p:sp>
+            <p:nvSpPr>
+              <p:cNvPr id="59" name="Ellipse 56">
+                <a:extLst>
+                  <a:ext uri="{FF2B5EF4-FFF2-40B4-BE49-F238E27FC236}">
+                    <a16:creationId xmlns:a16="http://schemas.microsoft.com/office/drawing/2014/main" id="{184C6C97-6E91-714C-ACAE-C22537F57BE0}"/>
+                  </a:ext>
+                </a:extLst>
+              </p:cNvPr>
+              <p:cNvSpPr/>
+              <p:nvPr/>
+            </p:nvSpPr>
+            <p:spPr>
+              <a:xfrm>
+                <a:off x="8886345" y="5716947"/>
+                <a:ext cx="218365" cy="165235"/>
+              </a:xfrm>
+              <a:prstGeom prst="ellipse">
+                <a:avLst/>
+              </a:prstGeom>
+              <a:solidFill>
+                <a:srgbClr val="960000"/>
+              </a:solidFill>
+              <a:ln>
+                <a:noFill/>
+              </a:ln>
+            </p:spPr>
+            <p:style>
+              <a:lnRef idx="2">
+                <a:schemeClr val="accent1">
+                  <a:shade val="50000"/>
+                </a:schemeClr>
+              </a:lnRef>
+              <a:fillRef idx="1">
+                <a:schemeClr val="accent1"/>
+              </a:fillRef>
+              <a:effectRef idx="0">
+                <a:schemeClr val="accent1"/>
+              </a:effectRef>
+              <a:fontRef idx="minor">
+                <a:schemeClr val="lt1"/>
+              </a:fontRef>
+            </p:style>
+            <p:txBody>
+              <a:bodyPr rtlCol="0" anchor="ctr"/>
+              <a:lstStyle/>
+              <a:p>
+                <a:pPr algn="ctr"/>
+                <a:endParaRPr lang="en-GB" sz="1012">
+                  <a:solidFill>
+                    <a:srgbClr val="C00000"/>
+                  </a:solidFill>
+                </a:endParaRPr>
+              </a:p>
+            </p:txBody>
+          </p:sp>
+          <p:sp>
+            <p:nvSpPr>
+              <p:cNvPr id="60" name="Explosion: 8 Zacken 57">
+                <a:extLst>
+                  <a:ext uri="{FF2B5EF4-FFF2-40B4-BE49-F238E27FC236}">
+                    <a16:creationId xmlns:a16="http://schemas.microsoft.com/office/drawing/2014/main" id="{F06E87CF-09E4-A94B-B068-BD2A0CCAB7DB}"/>
+                  </a:ext>
+                </a:extLst>
+              </p:cNvPr>
+              <p:cNvSpPr/>
+              <p:nvPr/>
+            </p:nvSpPr>
+            <p:spPr>
+              <a:xfrm>
+                <a:off x="8699204" y="5804673"/>
+                <a:ext cx="733671" cy="570486"/>
+              </a:xfrm>
+              <a:prstGeom prst="irregularSeal1">
+                <a:avLst/>
+              </a:prstGeom>
+              <a:solidFill>
+                <a:srgbClr val="E20000"/>
+              </a:solidFill>
+              <a:ln>
+                <a:noFill/>
+              </a:ln>
+              <a:effectLst>
+                <a:outerShdw blurRad="50800" dist="38100" dir="2700000" algn="tl" rotWithShape="0">
+                  <a:prstClr val="black">
+                    <a:alpha val="40000"/>
+                  </a:prstClr>
+                </a:outerShdw>
+              </a:effectLst>
+            </p:spPr>
+            <p:style>
+              <a:lnRef idx="2">
+                <a:schemeClr val="accent1">
+                  <a:shade val="50000"/>
+                </a:schemeClr>
+              </a:lnRef>
+              <a:fillRef idx="1">
+                <a:schemeClr val="accent1"/>
+              </a:fillRef>
+              <a:effectRef idx="0">
+                <a:schemeClr val="accent1"/>
+              </a:effectRef>
+              <a:fontRef idx="minor">
+                <a:schemeClr val="lt1"/>
+              </a:fontRef>
+            </p:style>
+            <p:txBody>
+              <a:bodyPr rtlCol="0" anchor="ctr"/>
+              <a:lstStyle/>
+              <a:p>
+                <a:pPr algn="ctr"/>
+                <a:endParaRPr lang="en-GB" sz="1012">
+                  <a:solidFill>
+                    <a:srgbClr val="C00000"/>
+                  </a:solidFill>
+                </a:endParaRPr>
+              </a:p>
+            </p:txBody>
+          </p:sp>
+          <p:sp>
+            <p:nvSpPr>
+              <p:cNvPr id="61" name="Ellipse 58">
+                <a:extLst>
+                  <a:ext uri="{FF2B5EF4-FFF2-40B4-BE49-F238E27FC236}">
+                    <a16:creationId xmlns:a16="http://schemas.microsoft.com/office/drawing/2014/main" id="{344E508B-EF4A-1549-B0E3-225BA4F76409}"/>
+                  </a:ext>
+                </a:extLst>
+              </p:cNvPr>
+              <p:cNvSpPr/>
+              <p:nvPr/>
+            </p:nvSpPr>
+            <p:spPr>
+              <a:xfrm>
+                <a:off x="8929561" y="6005826"/>
+                <a:ext cx="218365" cy="165235"/>
+              </a:xfrm>
+              <a:prstGeom prst="ellipse">
+                <a:avLst/>
+              </a:prstGeom>
+              <a:solidFill>
+                <a:srgbClr val="960000"/>
+              </a:solidFill>
+              <a:ln>
+                <a:noFill/>
+              </a:ln>
+            </p:spPr>
+            <p:style>
+              <a:lnRef idx="2">
+                <a:schemeClr val="accent1">
+                  <a:shade val="50000"/>
+                </a:schemeClr>
+              </a:lnRef>
+              <a:fillRef idx="1">
+                <a:schemeClr val="accent1"/>
+              </a:fillRef>
+              <a:effectRef idx="0">
+                <a:schemeClr val="accent1"/>
+              </a:effectRef>
+              <a:fontRef idx="minor">
+                <a:schemeClr val="lt1"/>
+              </a:fontRef>
+            </p:style>
+            <p:txBody>
+              <a:bodyPr rtlCol="0" anchor="ctr"/>
+              <a:lstStyle/>
+              <a:p>
+                <a:pPr algn="ctr"/>
+                <a:endParaRPr lang="en-GB" sz="1012">
+                  <a:solidFill>
+                    <a:srgbClr val="C00000"/>
+                  </a:solidFill>
+                </a:endParaRPr>
+              </a:p>
+            </p:txBody>
+          </p:sp>
+          <p:sp>
+            <p:nvSpPr>
+              <p:cNvPr id="62" name="Explosion: 8 Zacken 59">
+                <a:extLst>
+                  <a:ext uri="{FF2B5EF4-FFF2-40B4-BE49-F238E27FC236}">
+                    <a16:creationId xmlns:a16="http://schemas.microsoft.com/office/drawing/2014/main" id="{5F410862-9998-9A46-B46D-0D31EFAB5EF0}"/>
+                  </a:ext>
+                </a:extLst>
+              </p:cNvPr>
+              <p:cNvSpPr/>
+              <p:nvPr/>
+            </p:nvSpPr>
+            <p:spPr>
+              <a:xfrm>
+                <a:off x="9179154" y="5834808"/>
+                <a:ext cx="733671" cy="570486"/>
+              </a:xfrm>
+              <a:prstGeom prst="irregularSeal1">
+                <a:avLst/>
+              </a:prstGeom>
+              <a:solidFill>
+                <a:srgbClr val="E20000"/>
+              </a:solidFill>
+              <a:ln>
+                <a:noFill/>
+              </a:ln>
+              <a:effectLst>
+                <a:outerShdw blurRad="50800" dist="38100" dir="2700000" algn="tl" rotWithShape="0">
+                  <a:prstClr val="black">
+                    <a:alpha val="40000"/>
+                  </a:prstClr>
+                </a:outerShdw>
+              </a:effectLst>
+            </p:spPr>
+            <p:style>
+              <a:lnRef idx="2">
+                <a:schemeClr val="accent1">
+                  <a:shade val="50000"/>
+                </a:schemeClr>
+              </a:lnRef>
+              <a:fillRef idx="1">
+                <a:schemeClr val="accent1"/>
+              </a:fillRef>
+              <a:effectRef idx="0">
+                <a:schemeClr val="accent1"/>
+              </a:effectRef>
+              <a:fontRef idx="minor">
+                <a:schemeClr val="lt1"/>
+              </a:fontRef>
+            </p:style>
+            <p:txBody>
+              <a:bodyPr rtlCol="0" anchor="ctr"/>
+              <a:lstStyle/>
+              <a:p>
+                <a:pPr algn="ctr"/>
+                <a:endParaRPr lang="en-GB" sz="1012">
+                  <a:solidFill>
+                    <a:srgbClr val="C00000"/>
+                  </a:solidFill>
+                </a:endParaRPr>
+              </a:p>
+            </p:txBody>
+          </p:sp>
+          <p:sp>
+            <p:nvSpPr>
+              <p:cNvPr id="63" name="Ellipse 60">
+                <a:extLst>
+                  <a:ext uri="{FF2B5EF4-FFF2-40B4-BE49-F238E27FC236}">
+                    <a16:creationId xmlns:a16="http://schemas.microsoft.com/office/drawing/2014/main" id="{85395516-0922-304D-9BFA-9240F8B88398}"/>
+                  </a:ext>
+                </a:extLst>
+              </p:cNvPr>
+              <p:cNvSpPr/>
+              <p:nvPr/>
+            </p:nvSpPr>
+            <p:spPr>
+              <a:xfrm>
+                <a:off x="9436806" y="6048621"/>
+                <a:ext cx="218365" cy="165235"/>
+              </a:xfrm>
+              <a:prstGeom prst="ellipse">
+                <a:avLst/>
+              </a:prstGeom>
+              <a:solidFill>
+                <a:srgbClr val="960000"/>
+              </a:solidFill>
+              <a:ln>
+                <a:noFill/>
+              </a:ln>
+            </p:spPr>
+            <p:style>
+              <a:lnRef idx="2">
+                <a:schemeClr val="accent1">
+                  <a:shade val="50000"/>
+                </a:schemeClr>
+              </a:lnRef>
+              <a:fillRef idx="1">
+                <a:schemeClr val="accent1"/>
+              </a:fillRef>
+              <a:effectRef idx="0">
+                <a:schemeClr val="accent1"/>
+              </a:effectRef>
+              <a:fontRef idx="minor">
+                <a:schemeClr val="lt1"/>
+              </a:fontRef>
+            </p:style>
+            <p:txBody>
+              <a:bodyPr rtlCol="0" anchor="ctr"/>
+              <a:lstStyle/>
+              <a:p>
+                <a:pPr algn="ctr"/>
+                <a:endParaRPr lang="en-GB" sz="1012">
+                  <a:solidFill>
+                    <a:srgbClr val="C00000"/>
+                  </a:solidFill>
+                </a:endParaRPr>
+              </a:p>
+            </p:txBody>
+          </p:sp>
+          <p:sp>
+            <p:nvSpPr>
+              <p:cNvPr id="64" name="Explosion: 8 Zacken 61">
+                <a:extLst>
+                  <a:ext uri="{FF2B5EF4-FFF2-40B4-BE49-F238E27FC236}">
+                    <a16:creationId xmlns:a16="http://schemas.microsoft.com/office/drawing/2014/main" id="{40732DE3-D3E6-FD4C-A13E-950172CE764F}"/>
+                  </a:ext>
+                </a:extLst>
+              </p:cNvPr>
+              <p:cNvSpPr/>
+              <p:nvPr/>
+            </p:nvSpPr>
+            <p:spPr>
+              <a:xfrm>
+                <a:off x="9195076" y="5468420"/>
+                <a:ext cx="733671" cy="570486"/>
+              </a:xfrm>
+              <a:prstGeom prst="irregularSeal1">
+                <a:avLst/>
+              </a:prstGeom>
+              <a:solidFill>
+                <a:srgbClr val="E20000"/>
+              </a:solidFill>
+              <a:ln>
+                <a:noFill/>
+              </a:ln>
+              <a:effectLst>
+                <a:outerShdw blurRad="50800" dist="38100" dir="2700000" algn="tl" rotWithShape="0">
+                  <a:prstClr val="black">
+                    <a:alpha val="40000"/>
+                  </a:prstClr>
+                </a:outerShdw>
+              </a:effectLst>
+            </p:spPr>
+            <p:style>
+              <a:lnRef idx="2">
+                <a:schemeClr val="accent1">
+                  <a:shade val="50000"/>
+                </a:schemeClr>
+              </a:lnRef>
+              <a:fillRef idx="1">
+                <a:schemeClr val="accent1"/>
+              </a:fillRef>
+              <a:effectRef idx="0">
+                <a:schemeClr val="accent1"/>
+              </a:effectRef>
+              <a:fontRef idx="minor">
+                <a:schemeClr val="lt1"/>
+              </a:fontRef>
+            </p:style>
+            <p:txBody>
+              <a:bodyPr rtlCol="0" anchor="ctr"/>
+              <a:lstStyle/>
+              <a:p>
+                <a:pPr algn="ctr"/>
+                <a:endParaRPr lang="en-GB" sz="1012">
+                  <a:solidFill>
+                    <a:srgbClr val="C00000"/>
+                  </a:solidFill>
+                </a:endParaRPr>
+              </a:p>
+            </p:txBody>
+          </p:sp>
+          <p:sp>
+            <p:nvSpPr>
+              <p:cNvPr id="65" name="Ellipse 62">
+                <a:extLst>
+                  <a:ext uri="{FF2B5EF4-FFF2-40B4-BE49-F238E27FC236}">
+                    <a16:creationId xmlns:a16="http://schemas.microsoft.com/office/drawing/2014/main" id="{C7481739-9565-3D41-A9BC-039299FB757E}"/>
+                  </a:ext>
+                </a:extLst>
+              </p:cNvPr>
+              <p:cNvSpPr/>
+              <p:nvPr/>
+            </p:nvSpPr>
+            <p:spPr>
+              <a:xfrm>
+                <a:off x="9425433" y="5669573"/>
+                <a:ext cx="218365" cy="165235"/>
+              </a:xfrm>
+              <a:prstGeom prst="ellipse">
+                <a:avLst/>
+              </a:prstGeom>
+              <a:solidFill>
+                <a:srgbClr val="960000"/>
+              </a:solidFill>
+              <a:ln>
+                <a:noFill/>
+              </a:ln>
+            </p:spPr>
+            <p:style>
+              <a:lnRef idx="2">
+                <a:schemeClr val="accent1">
+                  <a:shade val="50000"/>
+                </a:schemeClr>
+              </a:lnRef>
+              <a:fillRef idx="1">
+                <a:schemeClr val="accent1"/>
+              </a:fillRef>
+              <a:effectRef idx="0">
+                <a:schemeClr val="accent1"/>
+              </a:effectRef>
+              <a:fontRef idx="minor">
+                <a:schemeClr val="lt1"/>
+              </a:fontRef>
+            </p:style>
+            <p:txBody>
+              <a:bodyPr rtlCol="0" anchor="ctr"/>
+              <a:lstStyle/>
+              <a:p>
+                <a:pPr algn="ctr"/>
+                <a:endParaRPr lang="en-GB" sz="1012">
+                  <a:solidFill>
+                    <a:srgbClr val="C00000"/>
+                  </a:solidFill>
+                </a:endParaRPr>
+              </a:p>
+            </p:txBody>
+          </p:sp>
+          <p:sp>
+            <p:nvSpPr>
+              <p:cNvPr id="66" name="Explosion: 8 Zacken 67">
+                <a:extLst>
+                  <a:ext uri="{FF2B5EF4-FFF2-40B4-BE49-F238E27FC236}">
+                    <a16:creationId xmlns:a16="http://schemas.microsoft.com/office/drawing/2014/main" id="{F0026705-5A28-6649-A307-A7BC466492EA}"/>
+                  </a:ext>
+                </a:extLst>
+              </p:cNvPr>
+              <p:cNvSpPr/>
+              <p:nvPr/>
+            </p:nvSpPr>
+            <p:spPr>
+              <a:xfrm>
+                <a:off x="8552393" y="6148121"/>
+                <a:ext cx="733671" cy="570486"/>
+              </a:xfrm>
+              <a:prstGeom prst="irregularSeal1">
+                <a:avLst/>
+              </a:prstGeom>
+              <a:solidFill>
+                <a:srgbClr val="E20000"/>
+              </a:solidFill>
+              <a:ln>
+                <a:noFill/>
+              </a:ln>
+              <a:effectLst>
+                <a:outerShdw blurRad="50800" dist="38100" dir="2700000" algn="tl" rotWithShape="0">
+                  <a:prstClr val="black">
+                    <a:alpha val="40000"/>
+                  </a:prstClr>
+                </a:outerShdw>
+              </a:effectLst>
+            </p:spPr>
+            <p:style>
+              <a:lnRef idx="2">
+                <a:schemeClr val="accent1">
+                  <a:shade val="50000"/>
+                </a:schemeClr>
+              </a:lnRef>
+              <a:fillRef idx="1">
+                <a:schemeClr val="accent1"/>
+              </a:fillRef>
+              <a:effectRef idx="0">
+                <a:schemeClr val="accent1"/>
+              </a:effectRef>
+              <a:fontRef idx="minor">
+                <a:schemeClr val="lt1"/>
+              </a:fontRef>
+            </p:style>
+            <p:txBody>
+              <a:bodyPr rtlCol="0" anchor="ctr"/>
+              <a:lstStyle/>
+              <a:p>
+                <a:pPr algn="ctr"/>
+                <a:endParaRPr lang="en-GB" sz="1012">
+                  <a:solidFill>
+                    <a:srgbClr val="C00000"/>
+                  </a:solidFill>
+                </a:endParaRPr>
+              </a:p>
+            </p:txBody>
+          </p:sp>
+          <p:sp>
+            <p:nvSpPr>
+              <p:cNvPr id="67" name="Ellipse 68">
+                <a:extLst>
+                  <a:ext uri="{FF2B5EF4-FFF2-40B4-BE49-F238E27FC236}">
+                    <a16:creationId xmlns:a16="http://schemas.microsoft.com/office/drawing/2014/main" id="{86C4135C-E897-474D-A43F-2281F9D873A6}"/>
+                  </a:ext>
+                </a:extLst>
+              </p:cNvPr>
+              <p:cNvSpPr/>
+              <p:nvPr/>
+            </p:nvSpPr>
+            <p:spPr>
+              <a:xfrm>
+                <a:off x="8782750" y="6349274"/>
+                <a:ext cx="218365" cy="165235"/>
+              </a:xfrm>
+              <a:prstGeom prst="ellipse">
+                <a:avLst/>
+              </a:prstGeom>
+              <a:solidFill>
+                <a:srgbClr val="960000"/>
+              </a:solidFill>
+              <a:ln>
+                <a:noFill/>
+              </a:ln>
+            </p:spPr>
+            <p:style>
+              <a:lnRef idx="2">
+                <a:schemeClr val="accent1">
+                  <a:shade val="50000"/>
+                </a:schemeClr>
+              </a:lnRef>
+              <a:fillRef idx="1">
+                <a:schemeClr val="accent1"/>
+              </a:fillRef>
+              <a:effectRef idx="0">
+                <a:schemeClr val="accent1"/>
+              </a:effectRef>
+              <a:fontRef idx="minor">
+                <a:schemeClr val="lt1"/>
+              </a:fontRef>
+            </p:style>
+            <p:txBody>
+              <a:bodyPr rtlCol="0" anchor="ctr"/>
+              <a:lstStyle/>
+              <a:p>
+                <a:pPr algn="ctr"/>
+                <a:endParaRPr lang="en-GB" sz="1012">
+                  <a:solidFill>
+                    <a:srgbClr val="C00000"/>
+                  </a:solidFill>
+                </a:endParaRPr>
+              </a:p>
+            </p:txBody>
+          </p:sp>
+        </p:grpSp>
+        <p:sp>
+          <p:nvSpPr>
+            <p:cNvPr id="52" name="Explosion: 8 Zacken 88">
+              <a:extLst>
+                <a:ext uri="{FF2B5EF4-FFF2-40B4-BE49-F238E27FC236}">
+                  <a16:creationId xmlns:a16="http://schemas.microsoft.com/office/drawing/2014/main" id="{35B7BFF1-027A-EF49-906E-93205B0FC750}"/>
+                </a:ext>
+              </a:extLst>
+            </p:cNvPr>
+            <p:cNvSpPr/>
+            <p:nvPr/>
+          </p:nvSpPr>
+          <p:spPr>
+            <a:xfrm>
+              <a:off x="8610501" y="2372530"/>
+              <a:ext cx="606616" cy="471691"/>
+            </a:xfrm>
+            <a:prstGeom prst="irregularSeal1">
+              <a:avLst/>
+            </a:prstGeom>
+            <a:solidFill>
+              <a:srgbClr val="E20000"/>
+            </a:solidFill>
+            <a:ln>
+              <a:noFill/>
+            </a:ln>
+            <a:effectLst>
+              <a:outerShdw blurRad="50800" dist="38100" dir="2700000" algn="tl" rotWithShape="0">
+                <a:prstClr val="black">
+                  <a:alpha val="40000"/>
+                </a:prstClr>
+              </a:outerShdw>
+            </a:effectLst>
+          </p:spPr>
+          <p:style>
+            <a:lnRef idx="2">
+              <a:schemeClr val="accent1">
+                <a:shade val="50000"/>
+              </a:schemeClr>
+            </a:lnRef>
+            <a:fillRef idx="1">
+              <a:schemeClr val="accent1"/>
+            </a:fillRef>
+            <a:effectRef idx="0">
+              <a:schemeClr val="accent1"/>
+            </a:effectRef>
+            <a:fontRef idx="minor">
+              <a:schemeClr val="lt1"/>
+            </a:fontRef>
+          </p:style>
+          <p:txBody>
+            <a:bodyPr rtlCol="0" anchor="ctr"/>
+            <a:lstStyle/>
+            <a:p>
+              <a:pPr algn="ctr"/>
+              <a:endParaRPr lang="en-GB" sz="1012">
+                <a:solidFill>
+                  <a:srgbClr val="C00000"/>
+                </a:solidFill>
+              </a:endParaRPr>
+            </a:p>
+          </p:txBody>
+        </p:sp>
+        <p:sp>
+          <p:nvSpPr>
+            <p:cNvPr id="53" name="Ellipse 89">
+              <a:extLst>
+                <a:ext uri="{FF2B5EF4-FFF2-40B4-BE49-F238E27FC236}">
+                  <a16:creationId xmlns:a16="http://schemas.microsoft.com/office/drawing/2014/main" id="{4710B9CC-EF52-2A46-94FB-7D88875DE8C3}"/>
+                </a:ext>
+              </a:extLst>
+            </p:cNvPr>
+            <p:cNvSpPr/>
+            <p:nvPr/>
+          </p:nvSpPr>
+          <p:spPr>
+            <a:xfrm>
+              <a:off x="8800966" y="2538849"/>
+              <a:ext cx="180549" cy="136620"/>
+            </a:xfrm>
+            <a:prstGeom prst="ellipse">
+              <a:avLst/>
+            </a:prstGeom>
+            <a:solidFill>
+              <a:srgbClr val="960000"/>
+            </a:solidFill>
+            <a:ln>
+              <a:noFill/>
+            </a:ln>
+          </p:spPr>
+          <p:style>
+            <a:lnRef idx="2">
+              <a:schemeClr val="accent1">
+                <a:shade val="50000"/>
+              </a:schemeClr>
+            </a:lnRef>
+            <a:fillRef idx="1">
+              <a:schemeClr val="accent1"/>
+            </a:fillRef>
+            <a:effectRef idx="0">
+              <a:schemeClr val="accent1"/>
+            </a:effectRef>
+            <a:fontRef idx="minor">
+              <a:schemeClr val="lt1"/>
+            </a:fontRef>
+          </p:style>
+          <p:txBody>
+            <a:bodyPr rtlCol="0" anchor="ctr"/>
+            <a:lstStyle/>
+            <a:p>
+              <a:pPr algn="ctr"/>
+              <a:endParaRPr lang="en-GB" sz="1012">
+                <a:solidFill>
+                  <a:srgbClr val="C00000"/>
+                </a:solidFill>
+              </a:endParaRPr>
+            </a:p>
+          </p:txBody>
+        </p:sp>
+      </p:grpSp>
+      <p:sp>
+        <p:nvSpPr>
+          <p:cNvPr id="68" name="Textfeld 79">
+            <a:extLst>
+              <a:ext uri="{FF2B5EF4-FFF2-40B4-BE49-F238E27FC236}">
+                <a16:creationId xmlns:a16="http://schemas.microsoft.com/office/drawing/2014/main" id="{636E0247-0EF5-D246-AD03-4AE32024E86B}"/>
+              </a:ext>
+            </a:extLst>
+          </p:cNvPr>
+          <p:cNvSpPr txBox="1"/>
+          <p:nvPr/>
+        </p:nvSpPr>
+        <p:spPr>
+          <a:xfrm>
+            <a:off x="3200498" y="2827516"/>
+            <a:ext cx="1370131" cy="603458"/>
+          </a:xfrm>
+          <a:prstGeom prst="rect">
+            <a:avLst/>
+          </a:prstGeom>
+          <a:solidFill>
+            <a:schemeClr val="bg1">
+              <a:lumMod val="65000"/>
+            </a:schemeClr>
+          </a:solidFill>
+          <a:ln>
+            <a:solidFill>
+              <a:schemeClr val="tx1"/>
+            </a:solidFill>
+          </a:ln>
+        </p:spPr>
+        <p:txBody>
+          <a:bodyPr wrap="square" lIns="20250" tIns="24491" rIns="20250" bIns="24491" rtlCol="0" anchor="ctr">
+            <a:spAutoFit/>
+          </a:bodyPr>
+          <a:lstStyle/>
+          <a:p>
+            <a:pPr algn="ctr"/>
+            <a:r>
+              <a:rPr lang="en-GB" dirty="0" err="1"/>
+              <a:t>Estrogen</a:t>
+            </a:r>
+            <a:r>
+              <a:rPr lang="en-GB" dirty="0"/>
+              <a:t> </a:t>
+            </a:r>
+          </a:p>
+          <a:p>
+            <a:pPr algn="ctr"/>
+            <a:r>
+              <a:rPr lang="en-GB" dirty="0"/>
+              <a:t>binding</a:t>
+            </a:r>
+          </a:p>
+        </p:txBody>
+      </p:sp>
+      <p:sp>
+        <p:nvSpPr>
+          <p:cNvPr id="69" name="Textfeld 79">
+            <a:extLst>
+              <a:ext uri="{FF2B5EF4-FFF2-40B4-BE49-F238E27FC236}">
+                <a16:creationId xmlns:a16="http://schemas.microsoft.com/office/drawing/2014/main" id="{1B7FFF0D-B6BC-6A4C-B930-82BFF5183026}"/>
+              </a:ext>
+            </a:extLst>
+          </p:cNvPr>
+          <p:cNvSpPr txBox="1"/>
+          <p:nvPr/>
+        </p:nvSpPr>
+        <p:spPr>
+          <a:xfrm>
+            <a:off x="4711684" y="3872581"/>
+            <a:ext cx="2375360" cy="326459"/>
+          </a:xfrm>
+          <a:prstGeom prst="rect">
+            <a:avLst/>
+          </a:prstGeom>
+          <a:solidFill>
+            <a:schemeClr val="bg1">
+              <a:lumMod val="65000"/>
+            </a:schemeClr>
+          </a:solidFill>
+          <a:ln>
+            <a:solidFill>
+              <a:schemeClr val="tx1"/>
+            </a:solidFill>
+          </a:ln>
+        </p:spPr>
+        <p:txBody>
+          <a:bodyPr wrap="square" lIns="20250" tIns="24491" rIns="20250" bIns="24491" rtlCol="0" anchor="ctr">
+            <a:spAutoFit/>
+          </a:bodyPr>
+          <a:lstStyle/>
+          <a:p>
+            <a:pPr algn="ctr"/>
+            <a:r>
+              <a:rPr lang="en-GB" dirty="0"/>
+              <a:t>DNA binding</a:t>
+            </a:r>
+          </a:p>
+        </p:txBody>
+      </p:sp>
+      <p:pic>
+        <p:nvPicPr>
+          <p:cNvPr id="70" name="Picture 69">
+            <a:extLst>
+              <a:ext uri="{FF2B5EF4-FFF2-40B4-BE49-F238E27FC236}">
+                <a16:creationId xmlns:a16="http://schemas.microsoft.com/office/drawing/2014/main" id="{30D5D236-2427-C745-B1E6-CF74C13DA1F8}"/>
+              </a:ext>
+            </a:extLst>
+          </p:cNvPr>
+          <p:cNvPicPr>
+            <a:picLocks noChangeAspect="1"/>
+          </p:cNvPicPr>
+          <p:nvPr/>
+        </p:nvPicPr>
+        <p:blipFill>
+          <a:blip r:embed="rId4"/>
+          <a:stretch>
+            <a:fillRect/>
+          </a:stretch>
+        </p:blipFill>
+        <p:spPr>
+          <a:xfrm>
+            <a:off x="127121" y="1514788"/>
+            <a:ext cx="3282346" cy="3282346"/>
+          </a:xfrm>
+          <a:prstGeom prst="rect">
+            <a:avLst/>
+          </a:prstGeom>
+        </p:spPr>
+      </p:pic>
+    </p:spTree>
+    <p:extLst>
+      <p:ext uri="{BB962C8B-B14F-4D97-AF65-F5344CB8AC3E}">
+        <p14:creationId xmlns:p14="http://schemas.microsoft.com/office/powerpoint/2010/main" val="221180137"/>
+      </p:ext>
+    </p:extLst>
+  </p:cSld>
+  <p:clrMapOvr>
+    <a:masterClrMapping/>
+  </p:clrMapOvr>
+</p:sld>
+</file>
+
+<file path=ppt/slides/slide4.xml><?xml version="1.0" encoding="utf-8"?>
+<p:sld xmlns:a="http://schemas.openxmlformats.org/drawingml/2006/main" xmlns:r="http://schemas.openxmlformats.org/officeDocument/2006/relationships" xmlns:p="http://schemas.openxmlformats.org/presentationml/2006/main">
+  <p:cSld>
+    <p:spTree>
+      <p:nvGrpSpPr>
+        <p:cNvPr id="1" name=""/>
+        <p:cNvGrpSpPr/>
+        <p:nvPr/>
+      </p:nvGrpSpPr>
+      <p:grpSpPr>
+        <a:xfrm>
+          <a:off x="0" y="0"/>
+          <a:ext cx="0" cy="0"/>
+          <a:chOff x="0" y="0"/>
+          <a:chExt cx="0" cy="0"/>
+        </a:xfrm>
+      </p:grpSpPr>
+      <p:sp>
+        <p:nvSpPr>
           <p:cNvPr id="10" name="Pentagon 9">
             <a:extLst>
               <a:ext uri="{FF2B5EF4-FFF2-40B4-BE49-F238E27FC236}">
@@ -5162,6 +8940,86 @@
     <p:extLst>
       <p:ext uri="{BB962C8B-B14F-4D97-AF65-F5344CB8AC3E}">
         <p14:creationId xmlns:p14="http://schemas.microsoft.com/office/powerpoint/2010/main" val="1892256030"/>
+      </p:ext>
+    </p:extLst>
+  </p:cSld>
+  <p:clrMapOvr>
+    <a:masterClrMapping/>
+  </p:clrMapOvr>
+</p:sld>
+</file>
+
+<file path=ppt/slides/slide5.xml><?xml version="1.0" encoding="utf-8"?>
+<p:sld xmlns:a="http://schemas.openxmlformats.org/drawingml/2006/main" xmlns:r="http://schemas.openxmlformats.org/officeDocument/2006/relationships" xmlns:p="http://schemas.openxmlformats.org/presentationml/2006/main">
+  <p:cSld>
+    <p:spTree>
+      <p:nvGrpSpPr>
+        <p:cNvPr id="1" name=""/>
+        <p:cNvGrpSpPr/>
+        <p:nvPr/>
+      </p:nvGrpSpPr>
+      <p:grpSpPr>
+        <a:xfrm>
+          <a:off x="0" y="0"/>
+          <a:ext cx="0" cy="0"/>
+          <a:chOff x="0" y="0"/>
+          <a:chExt cx="0" cy="0"/>
+        </a:xfrm>
+      </p:grpSpPr>
+      <p:sp>
+        <p:nvSpPr>
+          <p:cNvPr id="2" name="Title 1">
+            <a:extLst>
+              <a:ext uri="{FF2B5EF4-FFF2-40B4-BE49-F238E27FC236}">
+                <a16:creationId xmlns:a16="http://schemas.microsoft.com/office/drawing/2014/main" id="{7535722F-E0EF-0C49-B271-9694007A1026}"/>
+              </a:ext>
+            </a:extLst>
+          </p:cNvPr>
+          <p:cNvSpPr>
+            <a:spLocks noGrp="1"/>
+          </p:cNvSpPr>
+          <p:nvPr>
+            <p:ph type="title"/>
+          </p:nvPr>
+        </p:nvSpPr>
+        <p:spPr/>
+        <p:txBody>
+          <a:bodyPr/>
+          <a:lstStyle/>
+          <a:p>
+            <a:endParaRPr lang="en-GB"/>
+          </a:p>
+        </p:txBody>
+      </p:sp>
+      <p:sp>
+        <p:nvSpPr>
+          <p:cNvPr id="3" name="Content Placeholder 2">
+            <a:extLst>
+              <a:ext uri="{FF2B5EF4-FFF2-40B4-BE49-F238E27FC236}">
+                <a16:creationId xmlns:a16="http://schemas.microsoft.com/office/drawing/2014/main" id="{CD2CD228-D822-254E-B7F0-136C9FEFC6FC}"/>
+              </a:ext>
+            </a:extLst>
+          </p:cNvPr>
+          <p:cNvSpPr>
+            <a:spLocks noGrp="1"/>
+          </p:cNvSpPr>
+          <p:nvPr>
+            <p:ph idx="1"/>
+          </p:nvPr>
+        </p:nvSpPr>
+        <p:spPr/>
+        <p:txBody>
+          <a:bodyPr/>
+          <a:lstStyle/>
+          <a:p>
+            <a:endParaRPr lang="en-GB"/>
+          </a:p>
+        </p:txBody>
+      </p:sp>
+    </p:spTree>
+    <p:extLst>
+      <p:ext uri="{BB962C8B-B14F-4D97-AF65-F5344CB8AC3E}">
+        <p14:creationId xmlns:p14="http://schemas.microsoft.com/office/powerpoint/2010/main" val="1725544629"/>
       </p:ext>
     </p:extLst>
   </p:cSld>
